--- a/Slides/20240618新北市青年局 - 先來問問題.pptx
+++ b/Slides/20240618新北市青年局 - 先來問問題.pptx
@@ -17239,7 +17239,7 @@
                 <a:ea typeface="微軟正黑體" panose="020B0604030504040204" pitchFamily="34" charset="-120"/>
                 <a:cs typeface="Arial"/>
               </a:rPr>
-              <a:t>台灣的</a:t>
+              <a:t>國外的</a:t>
             </a:r>
             <a:r>
               <a:rPr kumimoji="1" lang="en-US" altLang="zh-TW" sz="5400" b="1" dirty="0">

--- a/Slides/20240618新北市青年局 - 先來問問題.pptx
+++ b/Slides/20240618新北市青年局 - 先來問問題.pptx
@@ -5,10 +5,10 @@
     <p:sldMasterId id="2147483648" r:id="rId1"/>
   </p:sldMasterIdLst>
   <p:notesMasterIdLst>
-    <p:notesMasterId r:id="rId54"/>
+    <p:notesMasterId r:id="rId53"/>
   </p:notesMasterIdLst>
   <p:handoutMasterIdLst>
-    <p:handoutMasterId r:id="rId55"/>
+    <p:handoutMasterId r:id="rId54"/>
   </p:handoutMasterIdLst>
   <p:sldIdLst>
     <p:sldId id="681" r:id="rId2"/>
@@ -28,41 +28,40 @@
     <p:sldId id="907" r:id="rId16"/>
     <p:sldId id="908" r:id="rId17"/>
     <p:sldId id="909" r:id="rId18"/>
-    <p:sldId id="910" r:id="rId19"/>
-    <p:sldId id="911" r:id="rId20"/>
-    <p:sldId id="912" r:id="rId21"/>
-    <p:sldId id="913" r:id="rId22"/>
-    <p:sldId id="914" r:id="rId23"/>
-    <p:sldId id="915" r:id="rId24"/>
-    <p:sldId id="916" r:id="rId25"/>
-    <p:sldId id="917" r:id="rId26"/>
-    <p:sldId id="918" r:id="rId27"/>
-    <p:sldId id="919" r:id="rId28"/>
-    <p:sldId id="920" r:id="rId29"/>
-    <p:sldId id="921" r:id="rId30"/>
-    <p:sldId id="922" r:id="rId31"/>
-    <p:sldId id="923" r:id="rId32"/>
-    <p:sldId id="924" r:id="rId33"/>
-    <p:sldId id="925" r:id="rId34"/>
-    <p:sldId id="927" r:id="rId35"/>
-    <p:sldId id="928" r:id="rId36"/>
-    <p:sldId id="929" r:id="rId37"/>
-    <p:sldId id="930" r:id="rId38"/>
-    <p:sldId id="931" r:id="rId39"/>
-    <p:sldId id="932" r:id="rId40"/>
-    <p:sldId id="933" r:id="rId41"/>
-    <p:sldId id="934" r:id="rId42"/>
-    <p:sldId id="935" r:id="rId43"/>
-    <p:sldId id="936" r:id="rId44"/>
-    <p:sldId id="937" r:id="rId45"/>
-    <p:sldId id="938" r:id="rId46"/>
-    <p:sldId id="939" r:id="rId47"/>
-    <p:sldId id="940" r:id="rId48"/>
-    <p:sldId id="941" r:id="rId49"/>
-    <p:sldId id="942" r:id="rId50"/>
-    <p:sldId id="943" r:id="rId51"/>
-    <p:sldId id="944" r:id="rId52"/>
-    <p:sldId id="945" r:id="rId53"/>
+    <p:sldId id="911" r:id="rId19"/>
+    <p:sldId id="912" r:id="rId20"/>
+    <p:sldId id="913" r:id="rId21"/>
+    <p:sldId id="914" r:id="rId22"/>
+    <p:sldId id="915" r:id="rId23"/>
+    <p:sldId id="916" r:id="rId24"/>
+    <p:sldId id="917" r:id="rId25"/>
+    <p:sldId id="918" r:id="rId26"/>
+    <p:sldId id="919" r:id="rId27"/>
+    <p:sldId id="920" r:id="rId28"/>
+    <p:sldId id="921" r:id="rId29"/>
+    <p:sldId id="922" r:id="rId30"/>
+    <p:sldId id="923" r:id="rId31"/>
+    <p:sldId id="924" r:id="rId32"/>
+    <p:sldId id="925" r:id="rId33"/>
+    <p:sldId id="927" r:id="rId34"/>
+    <p:sldId id="928" r:id="rId35"/>
+    <p:sldId id="929" r:id="rId36"/>
+    <p:sldId id="930" r:id="rId37"/>
+    <p:sldId id="931" r:id="rId38"/>
+    <p:sldId id="932" r:id="rId39"/>
+    <p:sldId id="933" r:id="rId40"/>
+    <p:sldId id="934" r:id="rId41"/>
+    <p:sldId id="935" r:id="rId42"/>
+    <p:sldId id="936" r:id="rId43"/>
+    <p:sldId id="937" r:id="rId44"/>
+    <p:sldId id="938" r:id="rId45"/>
+    <p:sldId id="939" r:id="rId46"/>
+    <p:sldId id="940" r:id="rId47"/>
+    <p:sldId id="941" r:id="rId48"/>
+    <p:sldId id="942" r:id="rId49"/>
+    <p:sldId id="943" r:id="rId50"/>
+    <p:sldId id="944" r:id="rId51"/>
+    <p:sldId id="945" r:id="rId52"/>
   </p:sldIdLst>
   <p:sldSz cx="9144000" cy="6858000" type="screen4x3"/>
   <p:notesSz cx="6858000" cy="9144000"/>
@@ -1581,7 +1580,7 @@
     </p:spTree>
     <p:extLst>
       <p:ext uri="{BB962C8B-B14F-4D97-AF65-F5344CB8AC3E}">
-        <p14:creationId xmlns:p14="http://schemas.microsoft.com/office/powerpoint/2010/main" val="1100474835"/>
+        <p14:creationId xmlns:p14="http://schemas.microsoft.com/office/powerpoint/2010/main" val="3278580329"/>
       </p:ext>
     </p:extLst>
   </p:cSld>
@@ -1668,7 +1667,7 @@
     </p:spTree>
     <p:extLst>
       <p:ext uri="{BB962C8B-B14F-4D97-AF65-F5344CB8AC3E}">
-        <p14:creationId xmlns:p14="http://schemas.microsoft.com/office/powerpoint/2010/main" val="3278580329"/>
+        <p14:creationId xmlns:p14="http://schemas.microsoft.com/office/powerpoint/2010/main" val="2315096472"/>
       </p:ext>
     </p:extLst>
   </p:cSld>
@@ -1842,7 +1841,7 @@
     </p:spTree>
     <p:extLst>
       <p:ext uri="{BB962C8B-B14F-4D97-AF65-F5344CB8AC3E}">
-        <p14:creationId xmlns:p14="http://schemas.microsoft.com/office/powerpoint/2010/main" val="2315096472"/>
+        <p14:creationId xmlns:p14="http://schemas.microsoft.com/office/powerpoint/2010/main" val="4060006796"/>
       </p:ext>
     </p:extLst>
   </p:cSld>
@@ -1929,7 +1928,7 @@
     </p:spTree>
     <p:extLst>
       <p:ext uri="{BB962C8B-B14F-4D97-AF65-F5344CB8AC3E}">
-        <p14:creationId xmlns:p14="http://schemas.microsoft.com/office/powerpoint/2010/main" val="4060006796"/>
+        <p14:creationId xmlns:p14="http://schemas.microsoft.com/office/powerpoint/2010/main" val="1430828058"/>
       </p:ext>
     </p:extLst>
   </p:cSld>
@@ -2016,7 +2015,7 @@
     </p:spTree>
     <p:extLst>
       <p:ext uri="{BB962C8B-B14F-4D97-AF65-F5344CB8AC3E}">
-        <p14:creationId xmlns:p14="http://schemas.microsoft.com/office/powerpoint/2010/main" val="1430828058"/>
+        <p14:creationId xmlns:p14="http://schemas.microsoft.com/office/powerpoint/2010/main" val="2363312028"/>
       </p:ext>
     </p:extLst>
   </p:cSld>
@@ -2103,7 +2102,7 @@
     </p:spTree>
     <p:extLst>
       <p:ext uri="{BB962C8B-B14F-4D97-AF65-F5344CB8AC3E}">
-        <p14:creationId xmlns:p14="http://schemas.microsoft.com/office/powerpoint/2010/main" val="2363312028"/>
+        <p14:creationId xmlns:p14="http://schemas.microsoft.com/office/powerpoint/2010/main" val="2764638045"/>
       </p:ext>
     </p:extLst>
   </p:cSld>
@@ -2190,7 +2189,7 @@
     </p:spTree>
     <p:extLst>
       <p:ext uri="{BB962C8B-B14F-4D97-AF65-F5344CB8AC3E}">
-        <p14:creationId xmlns:p14="http://schemas.microsoft.com/office/powerpoint/2010/main" val="2764638045"/>
+        <p14:creationId xmlns:p14="http://schemas.microsoft.com/office/powerpoint/2010/main" val="926995728"/>
       </p:ext>
     </p:extLst>
   </p:cSld>
@@ -2277,7 +2276,7 @@
     </p:spTree>
     <p:extLst>
       <p:ext uri="{BB962C8B-B14F-4D97-AF65-F5344CB8AC3E}">
-        <p14:creationId xmlns:p14="http://schemas.microsoft.com/office/powerpoint/2010/main" val="926995728"/>
+        <p14:creationId xmlns:p14="http://schemas.microsoft.com/office/powerpoint/2010/main" val="2282500203"/>
       </p:ext>
     </p:extLst>
   </p:cSld>
@@ -2364,7 +2363,7 @@
     </p:spTree>
     <p:extLst>
       <p:ext uri="{BB962C8B-B14F-4D97-AF65-F5344CB8AC3E}">
-        <p14:creationId xmlns:p14="http://schemas.microsoft.com/office/powerpoint/2010/main" val="2282500203"/>
+        <p14:creationId xmlns:p14="http://schemas.microsoft.com/office/powerpoint/2010/main" val="298026883"/>
       </p:ext>
     </p:extLst>
   </p:cSld>
@@ -2451,7 +2450,7 @@
     </p:spTree>
     <p:extLst>
       <p:ext uri="{BB962C8B-B14F-4D97-AF65-F5344CB8AC3E}">
-        <p14:creationId xmlns:p14="http://schemas.microsoft.com/office/powerpoint/2010/main" val="298026883"/>
+        <p14:creationId xmlns:p14="http://schemas.microsoft.com/office/powerpoint/2010/main" val="3238437431"/>
       </p:ext>
     </p:extLst>
   </p:cSld>
@@ -2538,7 +2537,7 @@
     </p:spTree>
     <p:extLst>
       <p:ext uri="{BB962C8B-B14F-4D97-AF65-F5344CB8AC3E}">
-        <p14:creationId xmlns:p14="http://schemas.microsoft.com/office/powerpoint/2010/main" val="3238437431"/>
+        <p14:creationId xmlns:p14="http://schemas.microsoft.com/office/powerpoint/2010/main" val="701899619"/>
       </p:ext>
     </p:extLst>
   </p:cSld>
@@ -2625,7 +2624,7 @@
     </p:spTree>
     <p:extLst>
       <p:ext uri="{BB962C8B-B14F-4D97-AF65-F5344CB8AC3E}">
-        <p14:creationId xmlns:p14="http://schemas.microsoft.com/office/powerpoint/2010/main" val="701899619"/>
+        <p14:creationId xmlns:p14="http://schemas.microsoft.com/office/powerpoint/2010/main" val="3141266955"/>
       </p:ext>
     </p:extLst>
   </p:cSld>
@@ -2799,7 +2798,7 @@
     </p:spTree>
     <p:extLst>
       <p:ext uri="{BB962C8B-B14F-4D97-AF65-F5344CB8AC3E}">
-        <p14:creationId xmlns:p14="http://schemas.microsoft.com/office/powerpoint/2010/main" val="3141266955"/>
+        <p14:creationId xmlns:p14="http://schemas.microsoft.com/office/powerpoint/2010/main" val="1082565670"/>
       </p:ext>
     </p:extLst>
   </p:cSld>
@@ -2886,7 +2885,7 @@
     </p:spTree>
     <p:extLst>
       <p:ext uri="{BB962C8B-B14F-4D97-AF65-F5344CB8AC3E}">
-        <p14:creationId xmlns:p14="http://schemas.microsoft.com/office/powerpoint/2010/main" val="1082565670"/>
+        <p14:creationId xmlns:p14="http://schemas.microsoft.com/office/powerpoint/2010/main" val="3969795147"/>
       </p:ext>
     </p:extLst>
   </p:cSld>
@@ -2973,7 +2972,7 @@
     </p:spTree>
     <p:extLst>
       <p:ext uri="{BB962C8B-B14F-4D97-AF65-F5344CB8AC3E}">
-        <p14:creationId xmlns:p14="http://schemas.microsoft.com/office/powerpoint/2010/main" val="3969795147"/>
+        <p14:creationId xmlns:p14="http://schemas.microsoft.com/office/powerpoint/2010/main" val="1895146433"/>
       </p:ext>
     </p:extLst>
   </p:cSld>
@@ -3060,7 +3059,7 @@
     </p:spTree>
     <p:extLst>
       <p:ext uri="{BB962C8B-B14F-4D97-AF65-F5344CB8AC3E}">
-        <p14:creationId xmlns:p14="http://schemas.microsoft.com/office/powerpoint/2010/main" val="1895146433"/>
+        <p14:creationId xmlns:p14="http://schemas.microsoft.com/office/powerpoint/2010/main" val="3486624885"/>
       </p:ext>
     </p:extLst>
   </p:cSld>
@@ -3147,7 +3146,7 @@
     </p:spTree>
     <p:extLst>
       <p:ext uri="{BB962C8B-B14F-4D97-AF65-F5344CB8AC3E}">
-        <p14:creationId xmlns:p14="http://schemas.microsoft.com/office/powerpoint/2010/main" val="3486624885"/>
+        <p14:creationId xmlns:p14="http://schemas.microsoft.com/office/powerpoint/2010/main" val="484501167"/>
       </p:ext>
     </p:extLst>
   </p:cSld>
@@ -3234,7 +3233,7 @@
     </p:spTree>
     <p:extLst>
       <p:ext uri="{BB962C8B-B14F-4D97-AF65-F5344CB8AC3E}">
-        <p14:creationId xmlns:p14="http://schemas.microsoft.com/office/powerpoint/2010/main" val="484501167"/>
+        <p14:creationId xmlns:p14="http://schemas.microsoft.com/office/powerpoint/2010/main" val="737136939"/>
       </p:ext>
     </p:extLst>
   </p:cSld>
@@ -3321,7 +3320,7 @@
     </p:spTree>
     <p:extLst>
       <p:ext uri="{BB962C8B-B14F-4D97-AF65-F5344CB8AC3E}">
-        <p14:creationId xmlns:p14="http://schemas.microsoft.com/office/powerpoint/2010/main" val="737136939"/>
+        <p14:creationId xmlns:p14="http://schemas.microsoft.com/office/powerpoint/2010/main" val="749498040"/>
       </p:ext>
     </p:extLst>
   </p:cSld>
@@ -3408,7 +3407,7 @@
     </p:spTree>
     <p:extLst>
       <p:ext uri="{BB962C8B-B14F-4D97-AF65-F5344CB8AC3E}">
-        <p14:creationId xmlns:p14="http://schemas.microsoft.com/office/powerpoint/2010/main" val="749498040"/>
+        <p14:creationId xmlns:p14="http://schemas.microsoft.com/office/powerpoint/2010/main" val="4012492734"/>
       </p:ext>
     </p:extLst>
   </p:cSld>
@@ -3495,7 +3494,7 @@
     </p:spTree>
     <p:extLst>
       <p:ext uri="{BB962C8B-B14F-4D97-AF65-F5344CB8AC3E}">
-        <p14:creationId xmlns:p14="http://schemas.microsoft.com/office/powerpoint/2010/main" val="4012492734"/>
+        <p14:creationId xmlns:p14="http://schemas.microsoft.com/office/powerpoint/2010/main" val="321636719"/>
       </p:ext>
     </p:extLst>
   </p:cSld>
@@ -3582,7 +3581,7 @@
     </p:spTree>
     <p:extLst>
       <p:ext uri="{BB962C8B-B14F-4D97-AF65-F5344CB8AC3E}">
-        <p14:creationId xmlns:p14="http://schemas.microsoft.com/office/powerpoint/2010/main" val="321636719"/>
+        <p14:creationId xmlns:p14="http://schemas.microsoft.com/office/powerpoint/2010/main" val="3971338647"/>
       </p:ext>
     </p:extLst>
   </p:cSld>
@@ -3756,7 +3755,7 @@
     </p:spTree>
     <p:extLst>
       <p:ext uri="{BB962C8B-B14F-4D97-AF65-F5344CB8AC3E}">
-        <p14:creationId xmlns:p14="http://schemas.microsoft.com/office/powerpoint/2010/main" val="3971338647"/>
+        <p14:creationId xmlns:p14="http://schemas.microsoft.com/office/powerpoint/2010/main" val="4193600662"/>
       </p:ext>
     </p:extLst>
   </p:cSld>
@@ -3843,7 +3842,7 @@
     </p:spTree>
     <p:extLst>
       <p:ext uri="{BB962C8B-B14F-4D97-AF65-F5344CB8AC3E}">
-        <p14:creationId xmlns:p14="http://schemas.microsoft.com/office/powerpoint/2010/main" val="4193600662"/>
+        <p14:creationId xmlns:p14="http://schemas.microsoft.com/office/powerpoint/2010/main" val="4270249371"/>
       </p:ext>
     </p:extLst>
   </p:cSld>
@@ -3930,7 +3929,7 @@
     </p:spTree>
     <p:extLst>
       <p:ext uri="{BB962C8B-B14F-4D97-AF65-F5344CB8AC3E}">
-        <p14:creationId xmlns:p14="http://schemas.microsoft.com/office/powerpoint/2010/main" val="4270249371"/>
+        <p14:creationId xmlns:p14="http://schemas.microsoft.com/office/powerpoint/2010/main" val="272688790"/>
       </p:ext>
     </p:extLst>
   </p:cSld>
@@ -4017,7 +4016,7 @@
     </p:spTree>
     <p:extLst>
       <p:ext uri="{BB962C8B-B14F-4D97-AF65-F5344CB8AC3E}">
-        <p14:creationId xmlns:p14="http://schemas.microsoft.com/office/powerpoint/2010/main" val="272688790"/>
+        <p14:creationId xmlns:p14="http://schemas.microsoft.com/office/powerpoint/2010/main" val="2061055566"/>
       </p:ext>
     </p:extLst>
   </p:cSld>
@@ -4104,7 +4103,7 @@
     </p:spTree>
     <p:extLst>
       <p:ext uri="{BB962C8B-B14F-4D97-AF65-F5344CB8AC3E}">
-        <p14:creationId xmlns:p14="http://schemas.microsoft.com/office/powerpoint/2010/main" val="2061055566"/>
+        <p14:creationId xmlns:p14="http://schemas.microsoft.com/office/powerpoint/2010/main" val="1932831498"/>
       </p:ext>
     </p:extLst>
   </p:cSld>
@@ -4191,7 +4190,7 @@
     </p:spTree>
     <p:extLst>
       <p:ext uri="{BB962C8B-B14F-4D97-AF65-F5344CB8AC3E}">
-        <p14:creationId xmlns:p14="http://schemas.microsoft.com/office/powerpoint/2010/main" val="1932831498"/>
+        <p14:creationId xmlns:p14="http://schemas.microsoft.com/office/powerpoint/2010/main" val="848334636"/>
       </p:ext>
     </p:extLst>
   </p:cSld>
@@ -4278,7 +4277,7 @@
     </p:spTree>
     <p:extLst>
       <p:ext uri="{BB962C8B-B14F-4D97-AF65-F5344CB8AC3E}">
-        <p14:creationId xmlns:p14="http://schemas.microsoft.com/office/powerpoint/2010/main" val="848334636"/>
+        <p14:creationId xmlns:p14="http://schemas.microsoft.com/office/powerpoint/2010/main" val="1759682878"/>
       </p:ext>
     </p:extLst>
   </p:cSld>
@@ -4365,7 +4364,7 @@
     </p:spTree>
     <p:extLst>
       <p:ext uri="{BB962C8B-B14F-4D97-AF65-F5344CB8AC3E}">
-        <p14:creationId xmlns:p14="http://schemas.microsoft.com/office/powerpoint/2010/main" val="1759682878"/>
+        <p14:creationId xmlns:p14="http://schemas.microsoft.com/office/powerpoint/2010/main" val="638860271"/>
       </p:ext>
     </p:extLst>
   </p:cSld>
@@ -4452,7 +4451,7 @@
     </p:spTree>
     <p:extLst>
       <p:ext uri="{BB962C8B-B14F-4D97-AF65-F5344CB8AC3E}">
-        <p14:creationId xmlns:p14="http://schemas.microsoft.com/office/powerpoint/2010/main" val="638860271"/>
+        <p14:creationId xmlns:p14="http://schemas.microsoft.com/office/powerpoint/2010/main" val="3139938835"/>
       </p:ext>
     </p:extLst>
   </p:cSld>
@@ -4539,7 +4538,7 @@
     </p:spTree>
     <p:extLst>
       <p:ext uri="{BB962C8B-B14F-4D97-AF65-F5344CB8AC3E}">
-        <p14:creationId xmlns:p14="http://schemas.microsoft.com/office/powerpoint/2010/main" val="3139938835"/>
+        <p14:creationId xmlns:p14="http://schemas.microsoft.com/office/powerpoint/2010/main" val="3425274268"/>
       </p:ext>
     </p:extLst>
   </p:cSld>
@@ -4713,7 +4712,7 @@
     </p:spTree>
     <p:extLst>
       <p:ext uri="{BB962C8B-B14F-4D97-AF65-F5344CB8AC3E}">
-        <p14:creationId xmlns:p14="http://schemas.microsoft.com/office/powerpoint/2010/main" val="3425274268"/>
+        <p14:creationId xmlns:p14="http://schemas.microsoft.com/office/powerpoint/2010/main" val="381393696"/>
       </p:ext>
     </p:extLst>
   </p:cSld>
@@ -4792,93 +4791,6 @@
               <a:rPr lang="en-US" smtClean="0"/>
               <a:pPr/>
               <a:t>51</a:t>
-            </a:fld>
-            <a:endParaRPr lang="en-US" dirty="0"/>
-          </a:p>
-        </p:txBody>
-      </p:sp>
-    </p:spTree>
-    <p:extLst>
-      <p:ext uri="{BB962C8B-B14F-4D97-AF65-F5344CB8AC3E}">
-        <p14:creationId xmlns:p14="http://schemas.microsoft.com/office/powerpoint/2010/main" val="381393696"/>
-      </p:ext>
-    </p:extLst>
-  </p:cSld>
-  <p:clrMapOvr>
-    <a:masterClrMapping/>
-  </p:clrMapOvr>
-</p:notes>
-</file>
-
-<file path=ppt/notesSlides/notesSlide52.xml><?xml version="1.0" encoding="utf-8"?>
-<p:notes xmlns:a="http://schemas.openxmlformats.org/drawingml/2006/main" xmlns:r="http://schemas.openxmlformats.org/officeDocument/2006/relationships" xmlns:p="http://schemas.openxmlformats.org/presentationml/2006/main">
-  <p:cSld>
-    <p:spTree>
-      <p:nvGrpSpPr>
-        <p:cNvPr id="1" name=""/>
-        <p:cNvGrpSpPr/>
-        <p:nvPr/>
-      </p:nvGrpSpPr>
-      <p:grpSpPr>
-        <a:xfrm>
-          <a:off x="0" y="0"/>
-          <a:ext cx="0" cy="0"/>
-          <a:chOff x="0" y="0"/>
-          <a:chExt cx="0" cy="0"/>
-        </a:xfrm>
-      </p:grpSpPr>
-      <p:sp>
-        <p:nvSpPr>
-          <p:cNvPr id="2" name="投影片圖像版面配置區 1"/>
-          <p:cNvSpPr>
-            <a:spLocks noGrp="1" noRot="1" noChangeAspect="1"/>
-          </p:cNvSpPr>
-          <p:nvPr>
-            <p:ph type="sldImg"/>
-          </p:nvPr>
-        </p:nvSpPr>
-        <p:spPr/>
-      </p:sp>
-      <p:sp>
-        <p:nvSpPr>
-          <p:cNvPr id="3" name="備忘稿版面配置區 2"/>
-          <p:cNvSpPr>
-            <a:spLocks noGrp="1"/>
-          </p:cNvSpPr>
-          <p:nvPr>
-            <p:ph type="body" idx="1"/>
-          </p:nvPr>
-        </p:nvSpPr>
-        <p:spPr/>
-        <p:txBody>
-          <a:bodyPr>
-            <a:normAutofit/>
-          </a:bodyPr>
-          <a:lstStyle/>
-          <a:p>
-            <a:endParaRPr lang="zh-TW" altLang="en-US" dirty="0"/>
-          </a:p>
-        </p:txBody>
-      </p:sp>
-      <p:sp>
-        <p:nvSpPr>
-          <p:cNvPr id="4" name="投影片編號版面配置區 3"/>
-          <p:cNvSpPr>
-            <a:spLocks noGrp="1"/>
-          </p:cNvSpPr>
-          <p:nvPr>
-            <p:ph type="sldNum" sz="quarter" idx="10"/>
-          </p:nvPr>
-        </p:nvSpPr>
-        <p:spPr/>
-        <p:txBody>
-          <a:bodyPr/>
-          <a:lstStyle/>
-          <a:p>
-            <a:fld id="{9B26CD33-4337-4529-948A-94F6960B2374}" type="slidenum">
-              <a:rPr lang="en-US" smtClean="0"/>
-              <a:pPr/>
-              <a:t>52</a:t>
             </a:fld>
             <a:endParaRPr lang="en-US" dirty="0"/>
           </a:p>
@@ -14320,7 +14232,7 @@
                 <a:ea typeface="微軟正黑體" panose="020B0604030504040204" pitchFamily="34" charset="-120"/>
                 <a:cs typeface="Arial"/>
               </a:rPr>
-              <a:t>14: </a:t>
+              <a:t>15: </a:t>
             </a:r>
             <a:r>
               <a:rPr kumimoji="1" lang="zh-TW" altLang="en-US" sz="5400" b="1" dirty="0">
@@ -14466,7 +14378,7 @@
                 <a:ea typeface="微軟正黑體" panose="020B0604030504040204" pitchFamily="34" charset="-120"/>
                 <a:cs typeface="Arial"/>
               </a:rPr>
-              <a:t>15: AI</a:t>
+              <a:t>16: AI</a:t>
             </a:r>
             <a:r>
               <a:rPr kumimoji="1" lang="zh-TW" altLang="en-US" sz="5400" b="1" dirty="0">
@@ -14484,7 +14396,43 @@
                 <a:ea typeface="微軟正黑體" panose="020B0604030504040204" pitchFamily="34" charset="-120"/>
                 <a:cs typeface="Arial"/>
               </a:rPr>
-              <a:t>就是機器學習嗎</a:t>
+              <a:t>就是機器</a:t>
+            </a:r>
+            <a:r>
+              <a:rPr kumimoji="1" lang="en-US" altLang="zh-TW" sz="5400" b="1" dirty="0">
+                <a:solidFill>
+                  <a:srgbClr val="66FF33"/>
+                </a:solidFill>
+                <a:effectLst>
+                  <a:outerShdw blurRad="38100" dist="38100" dir="2700000" algn="tl">
+                    <a:srgbClr val="000000">
+                      <a:alpha val="43137"/>
+                    </a:srgbClr>
+                  </a:outerShdw>
+                </a:effectLst>
+                <a:latin typeface="微軟正黑體" panose="020B0604030504040204" pitchFamily="34" charset="-120"/>
+                <a:ea typeface="微軟正黑體" panose="020B0604030504040204" pitchFamily="34" charset="-120"/>
+                <a:cs typeface="Arial"/>
+              </a:rPr>
+              <a:t>/</a:t>
+            </a:r>
+            <a:r>
+              <a:rPr kumimoji="1" lang="zh-TW" altLang="en-US" sz="5400" b="1" dirty="0">
+                <a:solidFill>
+                  <a:srgbClr val="66FF33"/>
+                </a:solidFill>
+                <a:effectLst>
+                  <a:outerShdw blurRad="38100" dist="38100" dir="2700000" algn="tl">
+                    <a:srgbClr val="000000">
+                      <a:alpha val="43137"/>
+                    </a:srgbClr>
+                  </a:outerShdw>
+                </a:effectLst>
+                <a:latin typeface="微軟正黑體" panose="020B0604030504040204" pitchFamily="34" charset="-120"/>
+                <a:ea typeface="微軟正黑體" panose="020B0604030504040204" pitchFamily="34" charset="-120"/>
+                <a:cs typeface="Arial"/>
+              </a:rPr>
+              <a:t>深度學習嗎</a:t>
             </a:r>
             <a:endParaRPr kumimoji="1" lang="en-US" altLang="zh-TW" sz="5400" b="1" dirty="0">
               <a:solidFill>
@@ -14576,7 +14524,7 @@
                 <a:ea typeface="微軟正黑體" panose="020B0604030504040204" pitchFamily="34" charset="-120"/>
                 <a:cs typeface="Arial"/>
               </a:rPr>
-              <a:t>16: AI</a:t>
+              <a:t>17: </a:t>
             </a:r>
             <a:r>
               <a:rPr kumimoji="1" lang="zh-TW" altLang="en-US" sz="5400" b="1" dirty="0">
@@ -14594,30 +14542,33 @@
                 <a:ea typeface="微軟正黑體" panose="020B0604030504040204" pitchFamily="34" charset="-120"/>
                 <a:cs typeface="Arial"/>
               </a:rPr>
-              <a:t>就是深度學習嗎</a:t>
-            </a:r>
-            <a:endParaRPr kumimoji="1" lang="en-US" altLang="zh-TW" sz="5400" b="1" dirty="0">
-              <a:solidFill>
-                <a:srgbClr val="66FF33"/>
-              </a:solidFill>
-              <a:effectLst>
-                <a:outerShdw blurRad="38100" dist="38100" dir="2700000" algn="tl">
-                  <a:srgbClr val="000000">
-                    <a:alpha val="43137"/>
-                  </a:srgbClr>
-                </a:outerShdw>
-              </a:effectLst>
-              <a:latin typeface="微軟正黑體" panose="020B0604030504040204" pitchFamily="34" charset="-120"/>
-              <a:ea typeface="微軟正黑體" panose="020B0604030504040204" pitchFamily="34" charset="-120"/>
-              <a:cs typeface="Arial"/>
-            </a:endParaRPr>
+              <a:t>什麼是</a:t>
+            </a:r>
+            <a:r>
+              <a:rPr kumimoji="1" lang="en-US" altLang="zh-TW" sz="5400" b="1" dirty="0">
+                <a:solidFill>
+                  <a:srgbClr val="66FF33"/>
+                </a:solidFill>
+                <a:effectLst>
+                  <a:outerShdw blurRad="38100" dist="38100" dir="2700000" algn="tl">
+                    <a:srgbClr val="000000">
+                      <a:alpha val="43137"/>
+                    </a:srgbClr>
+                  </a:outerShdw>
+                </a:effectLst>
+                <a:latin typeface="微軟正黑體" panose="020B0604030504040204" pitchFamily="34" charset="-120"/>
+                <a:ea typeface="微軟正黑體" panose="020B0604030504040204" pitchFamily="34" charset="-120"/>
+                <a:cs typeface="Arial"/>
+              </a:rPr>
+              <a:t>AGI</a:t>
+            </a:r>
           </a:p>
         </p:txBody>
       </p:sp>
     </p:spTree>
     <p:extLst>
       <p:ext uri="{BB962C8B-B14F-4D97-AF65-F5344CB8AC3E}">
-        <p14:creationId xmlns:p14="http://schemas.microsoft.com/office/powerpoint/2010/main" val="1268154279"/>
+        <p14:creationId xmlns:p14="http://schemas.microsoft.com/office/powerpoint/2010/main" val="697021366"/>
       </p:ext>
     </p:extLst>
   </p:cSld>
@@ -14686,7 +14637,7 @@
                 <a:ea typeface="微軟正黑體" panose="020B0604030504040204" pitchFamily="34" charset="-120"/>
                 <a:cs typeface="Arial"/>
               </a:rPr>
-              <a:t>17: </a:t>
+              <a:t>18: AI</a:t>
             </a:r>
             <a:r>
               <a:rPr kumimoji="1" lang="zh-TW" altLang="en-US" sz="5400" b="1" dirty="0">
@@ -14704,33 +14655,30 @@
                 <a:ea typeface="微軟正黑體" panose="020B0604030504040204" pitchFamily="34" charset="-120"/>
                 <a:cs typeface="Arial"/>
               </a:rPr>
-              <a:t>什麼是</a:t>
-            </a:r>
-            <a:r>
-              <a:rPr kumimoji="1" lang="en-US" altLang="zh-TW" sz="5400" b="1" dirty="0">
-                <a:solidFill>
-                  <a:srgbClr val="66FF33"/>
-                </a:solidFill>
-                <a:effectLst>
-                  <a:outerShdw blurRad="38100" dist="38100" dir="2700000" algn="tl">
-                    <a:srgbClr val="000000">
-                      <a:alpha val="43137"/>
-                    </a:srgbClr>
-                  </a:outerShdw>
-                </a:effectLst>
-                <a:latin typeface="微軟正黑體" panose="020B0604030504040204" pitchFamily="34" charset="-120"/>
-                <a:ea typeface="微軟正黑體" panose="020B0604030504040204" pitchFamily="34" charset="-120"/>
-                <a:cs typeface="Arial"/>
-              </a:rPr>
-              <a:t>AGI</a:t>
-            </a:r>
+              <a:t>會毀滅人類嗎</a:t>
+            </a:r>
+            <a:endParaRPr kumimoji="1" lang="en-US" altLang="zh-TW" sz="5400" b="1" dirty="0">
+              <a:solidFill>
+                <a:srgbClr val="66FF33"/>
+              </a:solidFill>
+              <a:effectLst>
+                <a:outerShdw blurRad="38100" dist="38100" dir="2700000" algn="tl">
+                  <a:srgbClr val="000000">
+                    <a:alpha val="43137"/>
+                  </a:srgbClr>
+                </a:outerShdw>
+              </a:effectLst>
+              <a:latin typeface="微軟正黑體" panose="020B0604030504040204" pitchFamily="34" charset="-120"/>
+              <a:ea typeface="微軟正黑體" panose="020B0604030504040204" pitchFamily="34" charset="-120"/>
+              <a:cs typeface="Arial"/>
+            </a:endParaRPr>
           </a:p>
         </p:txBody>
       </p:sp>
     </p:spTree>
     <p:extLst>
       <p:ext uri="{BB962C8B-B14F-4D97-AF65-F5344CB8AC3E}">
-        <p14:creationId xmlns:p14="http://schemas.microsoft.com/office/powerpoint/2010/main" val="697021366"/>
+        <p14:creationId xmlns:p14="http://schemas.microsoft.com/office/powerpoint/2010/main" val="3524605827"/>
       </p:ext>
     </p:extLst>
   </p:cSld>
@@ -14912,7 +14860,7 @@
                 <a:ea typeface="微軟正黑體" panose="020B0604030504040204" pitchFamily="34" charset="-120"/>
                 <a:cs typeface="Arial"/>
               </a:rPr>
-              <a:t>18: AI</a:t>
+              <a:t>19: AI</a:t>
             </a:r>
             <a:r>
               <a:rPr kumimoji="1" lang="zh-TW" altLang="en-US" sz="5400" b="1" dirty="0">
@@ -14930,7 +14878,7 @@
                 <a:ea typeface="微軟正黑體" panose="020B0604030504040204" pitchFamily="34" charset="-120"/>
                 <a:cs typeface="Arial"/>
               </a:rPr>
-              <a:t>會毀滅人類嗎</a:t>
+              <a:t>就是機器人嗎</a:t>
             </a:r>
             <a:endParaRPr kumimoji="1" lang="en-US" altLang="zh-TW" sz="5400" b="1" dirty="0">
               <a:solidFill>
@@ -14953,7 +14901,7 @@
     </p:spTree>
     <p:extLst>
       <p:ext uri="{BB962C8B-B14F-4D97-AF65-F5344CB8AC3E}">
-        <p14:creationId xmlns:p14="http://schemas.microsoft.com/office/powerpoint/2010/main" val="3524605827"/>
+        <p14:creationId xmlns:p14="http://schemas.microsoft.com/office/powerpoint/2010/main" val="2683349148"/>
       </p:ext>
     </p:extLst>
   </p:cSld>
@@ -15022,7 +14970,7 @@
                 <a:ea typeface="微軟正黑體" panose="020B0604030504040204" pitchFamily="34" charset="-120"/>
                 <a:cs typeface="Arial"/>
               </a:rPr>
-              <a:t>19: AI</a:t>
+              <a:t>20: AI</a:t>
             </a:r>
             <a:r>
               <a:rPr kumimoji="1" lang="zh-TW" altLang="en-US" sz="5400" b="1" dirty="0">
@@ -15040,7 +14988,7 @@
                 <a:ea typeface="微軟正黑體" panose="020B0604030504040204" pitchFamily="34" charset="-120"/>
                 <a:cs typeface="Arial"/>
               </a:rPr>
-              <a:t>就是機器人嗎</a:t>
+              <a:t>有哪些職缺</a:t>
             </a:r>
             <a:endParaRPr kumimoji="1" lang="en-US" altLang="zh-TW" sz="5400" b="1" dirty="0">
               <a:solidFill>
@@ -15063,7 +15011,7 @@
     </p:spTree>
     <p:extLst>
       <p:ext uri="{BB962C8B-B14F-4D97-AF65-F5344CB8AC3E}">
-        <p14:creationId xmlns:p14="http://schemas.microsoft.com/office/powerpoint/2010/main" val="2683349148"/>
+        <p14:creationId xmlns:p14="http://schemas.microsoft.com/office/powerpoint/2010/main" val="3173027214"/>
       </p:ext>
     </p:extLst>
   </p:cSld>
@@ -15132,7 +15080,7 @@
                 <a:ea typeface="微軟正黑體" panose="020B0604030504040204" pitchFamily="34" charset="-120"/>
                 <a:cs typeface="Arial"/>
               </a:rPr>
-              <a:t>20: AI</a:t>
+              <a:t>21: AI</a:t>
             </a:r>
             <a:r>
               <a:rPr kumimoji="1" lang="zh-TW" altLang="en-US" sz="5400" b="1" dirty="0">
@@ -15150,7 +15098,7 @@
                 <a:ea typeface="微軟正黑體" panose="020B0604030504040204" pitchFamily="34" charset="-120"/>
                 <a:cs typeface="Arial"/>
               </a:rPr>
-              <a:t>有哪些職缺</a:t>
+              <a:t>從業人員的薪資</a:t>
             </a:r>
             <a:endParaRPr kumimoji="1" lang="en-US" altLang="zh-TW" sz="5400" b="1" dirty="0">
               <a:solidFill>
@@ -15173,7 +15121,7 @@
     </p:spTree>
     <p:extLst>
       <p:ext uri="{BB962C8B-B14F-4D97-AF65-F5344CB8AC3E}">
-        <p14:creationId xmlns:p14="http://schemas.microsoft.com/office/powerpoint/2010/main" val="3173027214"/>
+        <p14:creationId xmlns:p14="http://schemas.microsoft.com/office/powerpoint/2010/main" val="2315521207"/>
       </p:ext>
     </p:extLst>
   </p:cSld>
@@ -15212,7 +15160,7 @@
         <p:spPr>
           <a:xfrm>
             <a:off x="228600" y="2971800"/>
-            <a:ext cx="8763000" cy="923330"/>
+            <a:ext cx="8763000" cy="1754326"/>
           </a:xfrm>
           <a:prstGeom prst="rect">
             <a:avLst/>
@@ -15242,7 +15190,7 @@
                 <a:ea typeface="微軟正黑體" panose="020B0604030504040204" pitchFamily="34" charset="-120"/>
                 <a:cs typeface="Arial"/>
               </a:rPr>
-              <a:t>21: AI</a:t>
+              <a:t>22: AI</a:t>
             </a:r>
             <a:r>
               <a:rPr kumimoji="1" lang="zh-TW" altLang="en-US" sz="5400" b="1" dirty="0">
@@ -15260,7 +15208,7 @@
                 <a:ea typeface="微軟正黑體" panose="020B0604030504040204" pitchFamily="34" charset="-120"/>
                 <a:cs typeface="Arial"/>
               </a:rPr>
-              <a:t>從業人員的薪資</a:t>
+              <a:t>從業人員哪一國家機會最好</a:t>
             </a:r>
             <a:endParaRPr kumimoji="1" lang="en-US" altLang="zh-TW" sz="5400" b="1" dirty="0">
               <a:solidFill>
@@ -15283,7 +15231,7 @@
     </p:spTree>
     <p:extLst>
       <p:ext uri="{BB962C8B-B14F-4D97-AF65-F5344CB8AC3E}">
-        <p14:creationId xmlns:p14="http://schemas.microsoft.com/office/powerpoint/2010/main" val="2315521207"/>
+        <p14:creationId xmlns:p14="http://schemas.microsoft.com/office/powerpoint/2010/main" val="3242122651"/>
       </p:ext>
     </p:extLst>
   </p:cSld>
@@ -15322,7 +15270,7 @@
         <p:spPr>
           <a:xfrm>
             <a:off x="228600" y="2971800"/>
-            <a:ext cx="8763000" cy="1754326"/>
+            <a:ext cx="8763000" cy="923330"/>
           </a:xfrm>
           <a:prstGeom prst="rect">
             <a:avLst/>
@@ -15352,7 +15300,7 @@
                 <a:ea typeface="微軟正黑體" panose="020B0604030504040204" pitchFamily="34" charset="-120"/>
                 <a:cs typeface="Arial"/>
               </a:rPr>
-              <a:t>22: AI</a:t>
+              <a:t>23: AI</a:t>
             </a:r>
             <a:r>
               <a:rPr kumimoji="1" lang="zh-TW" altLang="en-US" sz="5400" b="1" dirty="0">
@@ -15370,7 +15318,7 @@
                 <a:ea typeface="微軟正黑體" panose="020B0604030504040204" pitchFamily="34" charset="-120"/>
                 <a:cs typeface="Arial"/>
               </a:rPr>
-              <a:t>從業人員哪一國家機會最好</a:t>
+              <a:t>本身會消失嗎</a:t>
             </a:r>
             <a:endParaRPr kumimoji="1" lang="en-US" altLang="zh-TW" sz="5400" b="1" dirty="0">
               <a:solidFill>
@@ -15393,7 +15341,7 @@
     </p:spTree>
     <p:extLst>
       <p:ext uri="{BB962C8B-B14F-4D97-AF65-F5344CB8AC3E}">
-        <p14:creationId xmlns:p14="http://schemas.microsoft.com/office/powerpoint/2010/main" val="3242122651"/>
+        <p14:creationId xmlns:p14="http://schemas.microsoft.com/office/powerpoint/2010/main" val="1700477402"/>
       </p:ext>
     </p:extLst>
   </p:cSld>
@@ -15462,7 +15410,7 @@
                 <a:ea typeface="微軟正黑體" panose="020B0604030504040204" pitchFamily="34" charset="-120"/>
                 <a:cs typeface="Arial"/>
               </a:rPr>
-              <a:t>23: AI</a:t>
+              <a:t>24: </a:t>
             </a:r>
             <a:r>
               <a:rPr kumimoji="1" lang="zh-TW" altLang="en-US" sz="5400" b="1" dirty="0">
@@ -15480,7 +15428,7 @@
                 <a:ea typeface="微軟正黑體" panose="020B0604030504040204" pitchFamily="34" charset="-120"/>
                 <a:cs typeface="Arial"/>
               </a:rPr>
-              <a:t>本身會消失嗎</a:t>
+              <a:t>我能自己訓練模型嗎</a:t>
             </a:r>
             <a:endParaRPr kumimoji="1" lang="en-US" altLang="zh-TW" sz="5400" b="1" dirty="0">
               <a:solidFill>
@@ -15503,7 +15451,7 @@
     </p:spTree>
     <p:extLst>
       <p:ext uri="{BB962C8B-B14F-4D97-AF65-F5344CB8AC3E}">
-        <p14:creationId xmlns:p14="http://schemas.microsoft.com/office/powerpoint/2010/main" val="1700477402"/>
+        <p14:creationId xmlns:p14="http://schemas.microsoft.com/office/powerpoint/2010/main" val="2885448099"/>
       </p:ext>
     </p:extLst>
   </p:cSld>
@@ -15572,7 +15520,7 @@
                 <a:ea typeface="微軟正黑體" panose="020B0604030504040204" pitchFamily="34" charset="-120"/>
                 <a:cs typeface="Arial"/>
               </a:rPr>
-              <a:t>24: </a:t>
+              <a:t>25: AI</a:t>
             </a:r>
             <a:r>
               <a:rPr kumimoji="1" lang="zh-TW" altLang="en-US" sz="5400" b="1" dirty="0">
@@ -15590,7 +15538,7 @@
                 <a:ea typeface="微軟正黑體" panose="020B0604030504040204" pitchFamily="34" charset="-120"/>
                 <a:cs typeface="Arial"/>
               </a:rPr>
-              <a:t>我能自己訓練模型嗎</a:t>
+              <a:t>為什麼需要很多資料</a:t>
             </a:r>
             <a:endParaRPr kumimoji="1" lang="en-US" altLang="zh-TW" sz="5400" b="1" dirty="0">
               <a:solidFill>
@@ -15613,7 +15561,7 @@
     </p:spTree>
     <p:extLst>
       <p:ext uri="{BB962C8B-B14F-4D97-AF65-F5344CB8AC3E}">
-        <p14:creationId xmlns:p14="http://schemas.microsoft.com/office/powerpoint/2010/main" val="2885448099"/>
+        <p14:creationId xmlns:p14="http://schemas.microsoft.com/office/powerpoint/2010/main" val="1840396328"/>
       </p:ext>
     </p:extLst>
   </p:cSld>
@@ -15682,7 +15630,7 @@
                 <a:ea typeface="微軟正黑體" panose="020B0604030504040204" pitchFamily="34" charset="-120"/>
                 <a:cs typeface="Arial"/>
               </a:rPr>
-              <a:t>25: AI</a:t>
+              <a:t>26: </a:t>
             </a:r>
             <a:r>
               <a:rPr kumimoji="1" lang="zh-TW" altLang="en-US" sz="5400" b="1" dirty="0">
@@ -15700,7 +15648,7 @@
                 <a:ea typeface="微軟正黑體" panose="020B0604030504040204" pitchFamily="34" charset="-120"/>
                 <a:cs typeface="Arial"/>
               </a:rPr>
-              <a:t>為什麼需要很多資料</a:t>
+              <a:t>什麼是強弱人工智慧</a:t>
             </a:r>
             <a:endParaRPr kumimoji="1" lang="en-US" altLang="zh-TW" sz="5400" b="1" dirty="0">
               <a:solidFill>
@@ -15723,7 +15671,7 @@
     </p:spTree>
     <p:extLst>
       <p:ext uri="{BB962C8B-B14F-4D97-AF65-F5344CB8AC3E}">
-        <p14:creationId xmlns:p14="http://schemas.microsoft.com/office/powerpoint/2010/main" val="1840396328"/>
+        <p14:creationId xmlns:p14="http://schemas.microsoft.com/office/powerpoint/2010/main" val="3975626586"/>
       </p:ext>
     </p:extLst>
   </p:cSld>
@@ -15792,7 +15740,7 @@
                 <a:ea typeface="微軟正黑體" panose="020B0604030504040204" pitchFamily="34" charset="-120"/>
                 <a:cs typeface="Arial"/>
               </a:rPr>
-              <a:t>26: </a:t>
+              <a:t>27: AI</a:t>
             </a:r>
             <a:r>
               <a:rPr kumimoji="1" lang="zh-TW" altLang="en-US" sz="5400" b="1" dirty="0">
@@ -15810,7 +15758,43 @@
                 <a:ea typeface="微軟正黑體" panose="020B0604030504040204" pitchFamily="34" charset="-120"/>
                 <a:cs typeface="Arial"/>
               </a:rPr>
-              <a:t>什麼是強弱人工智慧</a:t>
+              <a:t>能取代</a:t>
+            </a:r>
+            <a:r>
+              <a:rPr kumimoji="1" lang="en-US" altLang="zh-TW" sz="5400" b="1" dirty="0">
+                <a:solidFill>
+                  <a:srgbClr val="66FF33"/>
+                </a:solidFill>
+                <a:effectLst>
+                  <a:outerShdw blurRad="38100" dist="38100" dir="2700000" algn="tl">
+                    <a:srgbClr val="000000">
+                      <a:alpha val="43137"/>
+                    </a:srgbClr>
+                  </a:outerShdw>
+                </a:effectLst>
+                <a:latin typeface="微軟正黑體" panose="020B0604030504040204" pitchFamily="34" charset="-120"/>
+                <a:ea typeface="微軟正黑體" panose="020B0604030504040204" pitchFamily="34" charset="-120"/>
+                <a:cs typeface="Arial"/>
+              </a:rPr>
+              <a:t>Google</a:t>
+            </a:r>
+            <a:r>
+              <a:rPr kumimoji="1" lang="zh-TW" altLang="en-US" sz="5400" b="1" dirty="0">
+                <a:solidFill>
+                  <a:srgbClr val="66FF33"/>
+                </a:solidFill>
+                <a:effectLst>
+                  <a:outerShdw blurRad="38100" dist="38100" dir="2700000" algn="tl">
+                    <a:srgbClr val="000000">
+                      <a:alpha val="43137"/>
+                    </a:srgbClr>
+                  </a:outerShdw>
+                </a:effectLst>
+                <a:latin typeface="微軟正黑體" panose="020B0604030504040204" pitchFamily="34" charset="-120"/>
+                <a:ea typeface="微軟正黑體" panose="020B0604030504040204" pitchFamily="34" charset="-120"/>
+                <a:cs typeface="Arial"/>
+              </a:rPr>
+              <a:t>嗎</a:t>
             </a:r>
             <a:endParaRPr kumimoji="1" lang="en-US" altLang="zh-TW" sz="5400" b="1" dirty="0">
               <a:solidFill>
@@ -15833,7 +15817,7 @@
     </p:spTree>
     <p:extLst>
       <p:ext uri="{BB962C8B-B14F-4D97-AF65-F5344CB8AC3E}">
-        <p14:creationId xmlns:p14="http://schemas.microsoft.com/office/powerpoint/2010/main" val="3975626586"/>
+        <p14:creationId xmlns:p14="http://schemas.microsoft.com/office/powerpoint/2010/main" val="2635221529"/>
       </p:ext>
     </p:extLst>
   </p:cSld>
@@ -15902,7 +15886,7 @@
                 <a:ea typeface="微軟正黑體" panose="020B0604030504040204" pitchFamily="34" charset="-120"/>
                 <a:cs typeface="Arial"/>
               </a:rPr>
-              <a:t>27: AI</a:t>
+              <a:t>28: AI</a:t>
             </a:r>
             <a:r>
               <a:rPr kumimoji="1" lang="zh-TW" altLang="en-US" sz="5400" b="1" dirty="0">
@@ -15920,43 +15904,7 @@
                 <a:ea typeface="微軟正黑體" panose="020B0604030504040204" pitchFamily="34" charset="-120"/>
                 <a:cs typeface="Arial"/>
               </a:rPr>
-              <a:t>能取代</a:t>
-            </a:r>
-            <a:r>
-              <a:rPr kumimoji="1" lang="en-US" altLang="zh-TW" sz="5400" b="1" dirty="0">
-                <a:solidFill>
-                  <a:srgbClr val="66FF33"/>
-                </a:solidFill>
-                <a:effectLst>
-                  <a:outerShdw blurRad="38100" dist="38100" dir="2700000" algn="tl">
-                    <a:srgbClr val="000000">
-                      <a:alpha val="43137"/>
-                    </a:srgbClr>
-                  </a:outerShdw>
-                </a:effectLst>
-                <a:latin typeface="微軟正黑體" panose="020B0604030504040204" pitchFamily="34" charset="-120"/>
-                <a:ea typeface="微軟正黑體" panose="020B0604030504040204" pitchFamily="34" charset="-120"/>
-                <a:cs typeface="Arial"/>
-              </a:rPr>
-              <a:t>Google</a:t>
-            </a:r>
-            <a:r>
-              <a:rPr kumimoji="1" lang="zh-TW" altLang="en-US" sz="5400" b="1" dirty="0">
-                <a:solidFill>
-                  <a:srgbClr val="66FF33"/>
-                </a:solidFill>
-                <a:effectLst>
-                  <a:outerShdw blurRad="38100" dist="38100" dir="2700000" algn="tl">
-                    <a:srgbClr val="000000">
-                      <a:alpha val="43137"/>
-                    </a:srgbClr>
-                  </a:outerShdw>
-                </a:effectLst>
-                <a:latin typeface="微軟正黑體" panose="020B0604030504040204" pitchFamily="34" charset="-120"/>
-                <a:ea typeface="微軟正黑體" panose="020B0604030504040204" pitchFamily="34" charset="-120"/>
-                <a:cs typeface="Arial"/>
-              </a:rPr>
-              <a:t>嗎</a:t>
+              <a:t>有沒有感情</a:t>
             </a:r>
             <a:endParaRPr kumimoji="1" lang="en-US" altLang="zh-TW" sz="5400" b="1" dirty="0">
               <a:solidFill>
@@ -15979,7 +15927,7 @@
     </p:spTree>
     <p:extLst>
       <p:ext uri="{BB962C8B-B14F-4D97-AF65-F5344CB8AC3E}">
-        <p14:creationId xmlns:p14="http://schemas.microsoft.com/office/powerpoint/2010/main" val="2635221529"/>
+        <p14:creationId xmlns:p14="http://schemas.microsoft.com/office/powerpoint/2010/main" val="4088116351"/>
       </p:ext>
     </p:extLst>
   </p:cSld>
@@ -16158,7 +16106,7 @@
                 <a:ea typeface="微軟正黑體" panose="020B0604030504040204" pitchFamily="34" charset="-120"/>
                 <a:cs typeface="Arial"/>
               </a:rPr>
-              <a:t>28: AI</a:t>
+              <a:t>29: AI</a:t>
             </a:r>
             <a:r>
               <a:rPr kumimoji="1" lang="zh-TW" altLang="en-US" sz="5400" b="1" dirty="0">
@@ -16176,7 +16124,7 @@
                 <a:ea typeface="微軟正黑體" panose="020B0604030504040204" pitchFamily="34" charset="-120"/>
                 <a:cs typeface="Arial"/>
               </a:rPr>
-              <a:t>有沒有感情</a:t>
+              <a:t>有沒有意識</a:t>
             </a:r>
             <a:endParaRPr kumimoji="1" lang="en-US" altLang="zh-TW" sz="5400" b="1" dirty="0">
               <a:solidFill>
@@ -16199,7 +16147,7 @@
     </p:spTree>
     <p:extLst>
       <p:ext uri="{BB962C8B-B14F-4D97-AF65-F5344CB8AC3E}">
-        <p14:creationId xmlns:p14="http://schemas.microsoft.com/office/powerpoint/2010/main" val="4088116351"/>
+        <p14:creationId xmlns:p14="http://schemas.microsoft.com/office/powerpoint/2010/main" val="1651438773"/>
       </p:ext>
     </p:extLst>
   </p:cSld>
@@ -16268,7 +16216,7 @@
                 <a:ea typeface="微軟正黑體" panose="020B0604030504040204" pitchFamily="34" charset="-120"/>
                 <a:cs typeface="Arial"/>
               </a:rPr>
-              <a:t>29: AI</a:t>
+              <a:t>30: </a:t>
             </a:r>
             <a:r>
               <a:rPr kumimoji="1" lang="zh-TW" altLang="en-US" sz="5400" b="1" dirty="0">
@@ -16286,7 +16234,7 @@
                 <a:ea typeface="微軟正黑體" panose="020B0604030504040204" pitchFamily="34" charset="-120"/>
                 <a:cs typeface="Arial"/>
               </a:rPr>
-              <a:t>有沒有意識</a:t>
+              <a:t>什麼是自然語言處理</a:t>
             </a:r>
             <a:endParaRPr kumimoji="1" lang="en-US" altLang="zh-TW" sz="5400" b="1" dirty="0">
               <a:solidFill>
@@ -16309,7 +16257,7 @@
     </p:spTree>
     <p:extLst>
       <p:ext uri="{BB962C8B-B14F-4D97-AF65-F5344CB8AC3E}">
-        <p14:creationId xmlns:p14="http://schemas.microsoft.com/office/powerpoint/2010/main" val="1651438773"/>
+        <p14:creationId xmlns:p14="http://schemas.microsoft.com/office/powerpoint/2010/main" val="3824674366"/>
       </p:ext>
     </p:extLst>
   </p:cSld>
@@ -16378,7 +16326,7 @@
                 <a:ea typeface="微軟正黑體" panose="020B0604030504040204" pitchFamily="34" charset="-120"/>
                 <a:cs typeface="Arial"/>
               </a:rPr>
-              <a:t>30: </a:t>
+              <a:t>31: </a:t>
             </a:r>
             <a:r>
               <a:rPr kumimoji="1" lang="zh-TW" altLang="en-US" sz="5400" b="1" dirty="0">
@@ -16396,30 +16344,33 @@
                 <a:ea typeface="微軟正黑體" panose="020B0604030504040204" pitchFamily="34" charset="-120"/>
                 <a:cs typeface="Arial"/>
               </a:rPr>
-              <a:t>什麼是自然語言處理</a:t>
-            </a:r>
-            <a:endParaRPr kumimoji="1" lang="en-US" altLang="zh-TW" sz="5400" b="1" dirty="0">
-              <a:solidFill>
-                <a:srgbClr val="66FF33"/>
-              </a:solidFill>
-              <a:effectLst>
-                <a:outerShdw blurRad="38100" dist="38100" dir="2700000" algn="tl">
-                  <a:srgbClr val="000000">
-                    <a:alpha val="43137"/>
-                  </a:srgbClr>
-                </a:outerShdw>
-              </a:effectLst>
-              <a:latin typeface="微軟正黑體" panose="020B0604030504040204" pitchFamily="34" charset="-120"/>
-              <a:ea typeface="微軟正黑體" panose="020B0604030504040204" pitchFamily="34" charset="-120"/>
-              <a:cs typeface="Arial"/>
-            </a:endParaRPr>
+              <a:t>什麼是</a:t>
+            </a:r>
+            <a:r>
+              <a:rPr kumimoji="1" lang="en-US" altLang="zh-TW" sz="5400" b="1" dirty="0">
+                <a:solidFill>
+                  <a:srgbClr val="66FF33"/>
+                </a:solidFill>
+                <a:effectLst>
+                  <a:outerShdw blurRad="38100" dist="38100" dir="2700000" algn="tl">
+                    <a:srgbClr val="000000">
+                      <a:alpha val="43137"/>
+                    </a:srgbClr>
+                  </a:outerShdw>
+                </a:effectLst>
+                <a:latin typeface="微軟正黑體" panose="020B0604030504040204" pitchFamily="34" charset="-120"/>
+                <a:ea typeface="微軟正黑體" panose="020B0604030504040204" pitchFamily="34" charset="-120"/>
+                <a:cs typeface="Arial"/>
+              </a:rPr>
+              <a:t>GPU</a:t>
+            </a:r>
           </a:p>
         </p:txBody>
       </p:sp>
     </p:spTree>
     <p:extLst>
       <p:ext uri="{BB962C8B-B14F-4D97-AF65-F5344CB8AC3E}">
-        <p14:creationId xmlns:p14="http://schemas.microsoft.com/office/powerpoint/2010/main" val="3824674366"/>
+        <p14:creationId xmlns:p14="http://schemas.microsoft.com/office/powerpoint/2010/main" val="3805581112"/>
       </p:ext>
     </p:extLst>
   </p:cSld>
@@ -16458,7 +16409,7 @@
         <p:spPr>
           <a:xfrm>
             <a:off x="228600" y="2971800"/>
-            <a:ext cx="8763000" cy="923330"/>
+            <a:ext cx="8763000" cy="1754326"/>
           </a:xfrm>
           <a:prstGeom prst="rect">
             <a:avLst/>
@@ -16488,7 +16439,7 @@
                 <a:ea typeface="微軟正黑體" panose="020B0604030504040204" pitchFamily="34" charset="-120"/>
                 <a:cs typeface="Arial"/>
               </a:rPr>
-              <a:t>31: </a:t>
+              <a:t>32: </a:t>
             </a:r>
             <a:r>
               <a:rPr kumimoji="1" lang="zh-TW" altLang="en-US" sz="5400" b="1" dirty="0">
@@ -16506,7 +16457,7 @@
                 <a:ea typeface="微軟正黑體" panose="020B0604030504040204" pitchFamily="34" charset="-120"/>
                 <a:cs typeface="Arial"/>
               </a:rPr>
-              <a:t>什麼是</a:t>
+              <a:t>為什麼輝達要開發除了</a:t>
             </a:r>
             <a:r>
               <a:rPr kumimoji="1" lang="en-US" altLang="zh-TW" sz="5400" b="1" dirty="0">
@@ -16526,13 +16477,46 @@
               </a:rPr>
               <a:t>GPU</a:t>
             </a:r>
+            <a:r>
+              <a:rPr kumimoji="1" lang="zh-TW" altLang="en-US" sz="5400" b="1" dirty="0">
+                <a:solidFill>
+                  <a:srgbClr val="66FF33"/>
+                </a:solidFill>
+                <a:effectLst>
+                  <a:outerShdw blurRad="38100" dist="38100" dir="2700000" algn="tl">
+                    <a:srgbClr val="000000">
+                      <a:alpha val="43137"/>
+                    </a:srgbClr>
+                  </a:outerShdw>
+                </a:effectLst>
+                <a:latin typeface="微軟正黑體" panose="020B0604030504040204" pitchFamily="34" charset="-120"/>
+                <a:ea typeface="微軟正黑體" panose="020B0604030504040204" pitchFamily="34" charset="-120"/>
+                <a:cs typeface="Arial"/>
+              </a:rPr>
+              <a:t>以外的網路及匯流排</a:t>
+            </a:r>
+            <a:endParaRPr kumimoji="1" lang="en-US" altLang="zh-TW" sz="5400" b="1" dirty="0">
+              <a:solidFill>
+                <a:srgbClr val="66FF33"/>
+              </a:solidFill>
+              <a:effectLst>
+                <a:outerShdw blurRad="38100" dist="38100" dir="2700000" algn="tl">
+                  <a:srgbClr val="000000">
+                    <a:alpha val="43137"/>
+                  </a:srgbClr>
+                </a:outerShdw>
+              </a:effectLst>
+              <a:latin typeface="微軟正黑體" panose="020B0604030504040204" pitchFamily="34" charset="-120"/>
+              <a:ea typeface="微軟正黑體" panose="020B0604030504040204" pitchFamily="34" charset="-120"/>
+              <a:cs typeface="Arial"/>
+            </a:endParaRPr>
           </a:p>
         </p:txBody>
       </p:sp>
     </p:spTree>
     <p:extLst>
       <p:ext uri="{BB962C8B-B14F-4D97-AF65-F5344CB8AC3E}">
-        <p14:creationId xmlns:p14="http://schemas.microsoft.com/office/powerpoint/2010/main" val="3805581112"/>
+        <p14:creationId xmlns:p14="http://schemas.microsoft.com/office/powerpoint/2010/main" val="1846049158"/>
       </p:ext>
     </p:extLst>
   </p:cSld>
@@ -16601,7 +16585,7 @@
                 <a:ea typeface="微軟正黑體" panose="020B0604030504040204" pitchFamily="34" charset="-120"/>
                 <a:cs typeface="Arial"/>
               </a:rPr>
-              <a:t>32: </a:t>
+              <a:t>33: AI</a:t>
             </a:r>
             <a:r>
               <a:rPr kumimoji="1" lang="zh-TW" altLang="en-US" sz="5400" b="1" dirty="0">
@@ -16619,7 +16603,7 @@
                 <a:ea typeface="微軟正黑體" panose="020B0604030504040204" pitchFamily="34" charset="-120"/>
                 <a:cs typeface="Arial"/>
               </a:rPr>
-              <a:t>為什麼輝達要開發除了</a:t>
+              <a:t>訓練</a:t>
             </a:r>
             <a:r>
               <a:rPr kumimoji="1" lang="en-US" altLang="zh-TW" sz="5400" b="1" dirty="0">
@@ -16637,7 +16621,7 @@
                 <a:ea typeface="微軟正黑體" panose="020B0604030504040204" pitchFamily="34" charset="-120"/>
                 <a:cs typeface="Arial"/>
               </a:rPr>
-              <a:t>GPU</a:t>
+              <a:t>/</a:t>
             </a:r>
             <a:r>
               <a:rPr kumimoji="1" lang="zh-TW" altLang="en-US" sz="5400" b="1" dirty="0">
@@ -16655,7 +16639,7 @@
                 <a:ea typeface="微軟正黑體" panose="020B0604030504040204" pitchFamily="34" charset="-120"/>
                 <a:cs typeface="Arial"/>
               </a:rPr>
-              <a:t>以外的網路及匯流排</a:t>
+              <a:t>使用</a:t>
             </a:r>
             <a:endParaRPr kumimoji="1" lang="en-US" altLang="zh-TW" sz="5400" b="1" dirty="0">
               <a:solidFill>
@@ -16673,12 +16657,48 @@
               <a:cs typeface="Arial"/>
             </a:endParaRPr>
           </a:p>
+          <a:p>
+            <a:pPr algn="ctr"/>
+            <a:r>
+              <a:rPr kumimoji="1" lang="zh-TW" altLang="en-US" sz="5400" b="1" dirty="0">
+                <a:solidFill>
+                  <a:srgbClr val="66FF33"/>
+                </a:solidFill>
+                <a:effectLst>
+                  <a:outerShdw blurRad="38100" dist="38100" dir="2700000" algn="tl">
+                    <a:srgbClr val="000000">
+                      <a:alpha val="43137"/>
+                    </a:srgbClr>
+                  </a:outerShdw>
+                </a:effectLst>
+                <a:latin typeface="微軟正黑體" panose="020B0604030504040204" pitchFamily="34" charset="-120"/>
+                <a:ea typeface="微軟正黑體" panose="020B0604030504040204" pitchFamily="34" charset="-120"/>
+                <a:cs typeface="Arial"/>
+              </a:rPr>
+              <a:t>為什麼這麼貴</a:t>
+            </a:r>
+            <a:endParaRPr kumimoji="1" lang="en-US" altLang="zh-TW" sz="5400" b="1" dirty="0">
+              <a:solidFill>
+                <a:srgbClr val="66FF33"/>
+              </a:solidFill>
+              <a:effectLst>
+                <a:outerShdw blurRad="38100" dist="38100" dir="2700000" algn="tl">
+                  <a:srgbClr val="000000">
+                    <a:alpha val="43137"/>
+                  </a:srgbClr>
+                </a:outerShdw>
+              </a:effectLst>
+              <a:latin typeface="微軟正黑體" panose="020B0604030504040204" pitchFamily="34" charset="-120"/>
+              <a:ea typeface="微軟正黑體" panose="020B0604030504040204" pitchFamily="34" charset="-120"/>
+              <a:cs typeface="Arial"/>
+            </a:endParaRPr>
+          </a:p>
         </p:txBody>
       </p:sp>
     </p:spTree>
     <p:extLst>
       <p:ext uri="{BB962C8B-B14F-4D97-AF65-F5344CB8AC3E}">
-        <p14:creationId xmlns:p14="http://schemas.microsoft.com/office/powerpoint/2010/main" val="1846049158"/>
+        <p14:creationId xmlns:p14="http://schemas.microsoft.com/office/powerpoint/2010/main" val="4186763644"/>
       </p:ext>
     </p:extLst>
   </p:cSld>
@@ -16717,7 +16737,7 @@
         <p:spPr>
           <a:xfrm>
             <a:off x="228600" y="2971800"/>
-            <a:ext cx="8763000" cy="1754326"/>
+            <a:ext cx="8763000" cy="923330"/>
           </a:xfrm>
           <a:prstGeom prst="rect">
             <a:avLst/>
@@ -16747,7 +16767,7 @@
                 <a:ea typeface="微軟正黑體" panose="020B0604030504040204" pitchFamily="34" charset="-120"/>
                 <a:cs typeface="Arial"/>
               </a:rPr>
-              <a:t>33: AI</a:t>
+              <a:t>34: </a:t>
             </a:r>
             <a:r>
               <a:rPr kumimoji="1" lang="zh-TW" altLang="en-US" sz="5400" b="1" dirty="0">
@@ -16765,7 +16785,7 @@
                 <a:ea typeface="微軟正黑體" panose="020B0604030504040204" pitchFamily="34" charset="-120"/>
                 <a:cs typeface="Arial"/>
               </a:rPr>
-              <a:t>訓練</a:t>
+              <a:t>有沒有人不希望</a:t>
             </a:r>
             <a:r>
               <a:rPr kumimoji="1" lang="en-US" altLang="zh-TW" sz="5400" b="1" dirty="0">
@@ -16783,7 +16803,7 @@
                 <a:ea typeface="微軟正黑體" panose="020B0604030504040204" pitchFamily="34" charset="-120"/>
                 <a:cs typeface="Arial"/>
               </a:rPr>
-              <a:t>/</a:t>
+              <a:t>AI</a:t>
             </a:r>
             <a:r>
               <a:rPr kumimoji="1" lang="zh-TW" altLang="en-US" sz="5400" b="1" dirty="0">
@@ -16801,7 +16821,7 @@
                 <a:ea typeface="微軟正黑體" panose="020B0604030504040204" pitchFamily="34" charset="-120"/>
                 <a:cs typeface="Arial"/>
               </a:rPr>
-              <a:t>使用</a:t>
+              <a:t>發展</a:t>
             </a:r>
             <a:endParaRPr kumimoji="1" lang="en-US" altLang="zh-TW" sz="5400" b="1" dirty="0">
               <a:solidFill>
@@ -16819,48 +16839,12 @@
               <a:cs typeface="Arial"/>
             </a:endParaRPr>
           </a:p>
-          <a:p>
-            <a:pPr algn="ctr"/>
-            <a:r>
-              <a:rPr kumimoji="1" lang="zh-TW" altLang="en-US" sz="5400" b="1" dirty="0">
-                <a:solidFill>
-                  <a:srgbClr val="66FF33"/>
-                </a:solidFill>
-                <a:effectLst>
-                  <a:outerShdw blurRad="38100" dist="38100" dir="2700000" algn="tl">
-                    <a:srgbClr val="000000">
-                      <a:alpha val="43137"/>
-                    </a:srgbClr>
-                  </a:outerShdw>
-                </a:effectLst>
-                <a:latin typeface="微軟正黑體" panose="020B0604030504040204" pitchFamily="34" charset="-120"/>
-                <a:ea typeface="微軟正黑體" panose="020B0604030504040204" pitchFamily="34" charset="-120"/>
-                <a:cs typeface="Arial"/>
-              </a:rPr>
-              <a:t>為什麼這麼貴</a:t>
-            </a:r>
-            <a:endParaRPr kumimoji="1" lang="en-US" altLang="zh-TW" sz="5400" b="1" dirty="0">
-              <a:solidFill>
-                <a:srgbClr val="66FF33"/>
-              </a:solidFill>
-              <a:effectLst>
-                <a:outerShdw blurRad="38100" dist="38100" dir="2700000" algn="tl">
-                  <a:srgbClr val="000000">
-                    <a:alpha val="43137"/>
-                  </a:srgbClr>
-                </a:outerShdw>
-              </a:effectLst>
-              <a:latin typeface="微軟正黑體" panose="020B0604030504040204" pitchFamily="34" charset="-120"/>
-              <a:ea typeface="微軟正黑體" panose="020B0604030504040204" pitchFamily="34" charset="-120"/>
-              <a:cs typeface="Arial"/>
-            </a:endParaRPr>
-          </a:p>
         </p:txBody>
       </p:sp>
     </p:spTree>
     <p:extLst>
       <p:ext uri="{BB962C8B-B14F-4D97-AF65-F5344CB8AC3E}">
-        <p14:creationId xmlns:p14="http://schemas.microsoft.com/office/powerpoint/2010/main" val="4186763644"/>
+        <p14:creationId xmlns:p14="http://schemas.microsoft.com/office/powerpoint/2010/main" val="2751926142"/>
       </p:ext>
     </p:extLst>
   </p:cSld>
@@ -16929,7 +16913,7 @@
                 <a:ea typeface="微軟正黑體" panose="020B0604030504040204" pitchFamily="34" charset="-120"/>
                 <a:cs typeface="Arial"/>
               </a:rPr>
-              <a:t>34: </a:t>
+              <a:t>35: </a:t>
             </a:r>
             <a:r>
               <a:rPr kumimoji="1" lang="zh-TW" altLang="en-US" sz="5400" b="1" dirty="0">
@@ -16947,7 +16931,7 @@
                 <a:ea typeface="微軟正黑體" panose="020B0604030504040204" pitchFamily="34" charset="-120"/>
                 <a:cs typeface="Arial"/>
               </a:rPr>
-              <a:t>有沒有人不希望</a:t>
+              <a:t>台灣的</a:t>
             </a:r>
             <a:r>
               <a:rPr kumimoji="1" lang="en-US" altLang="zh-TW" sz="5400" b="1" dirty="0">
@@ -16983,7 +16967,7 @@
                 <a:ea typeface="微軟正黑體" panose="020B0604030504040204" pitchFamily="34" charset="-120"/>
                 <a:cs typeface="Arial"/>
               </a:rPr>
-              <a:t>發展</a:t>
+              <a:t>工作有哪些</a:t>
             </a:r>
             <a:endParaRPr kumimoji="1" lang="en-US" altLang="zh-TW" sz="5400" b="1" dirty="0">
               <a:solidFill>
@@ -17006,7 +16990,7 @@
     </p:spTree>
     <p:extLst>
       <p:ext uri="{BB962C8B-B14F-4D97-AF65-F5344CB8AC3E}">
-        <p14:creationId xmlns:p14="http://schemas.microsoft.com/office/powerpoint/2010/main" val="2751926142"/>
+        <p14:creationId xmlns:p14="http://schemas.microsoft.com/office/powerpoint/2010/main" val="1396416431"/>
       </p:ext>
     </p:extLst>
   </p:cSld>
@@ -17075,7 +17059,7 @@
                 <a:ea typeface="微軟正黑體" panose="020B0604030504040204" pitchFamily="34" charset="-120"/>
                 <a:cs typeface="Arial"/>
               </a:rPr>
-              <a:t>35: </a:t>
+              <a:t>36: </a:t>
             </a:r>
             <a:r>
               <a:rPr kumimoji="1" lang="zh-TW" altLang="en-US" sz="5400" b="1" dirty="0">
@@ -17093,7 +17077,7 @@
                 <a:ea typeface="微軟正黑體" panose="020B0604030504040204" pitchFamily="34" charset="-120"/>
                 <a:cs typeface="Arial"/>
               </a:rPr>
-              <a:t>台灣的</a:t>
+              <a:t>國外的</a:t>
             </a:r>
             <a:r>
               <a:rPr kumimoji="1" lang="en-US" altLang="zh-TW" sz="5400" b="1" dirty="0">
@@ -17152,7 +17136,7 @@
     </p:spTree>
     <p:extLst>
       <p:ext uri="{BB962C8B-B14F-4D97-AF65-F5344CB8AC3E}">
-        <p14:creationId xmlns:p14="http://schemas.microsoft.com/office/powerpoint/2010/main" val="1396416431"/>
+        <p14:creationId xmlns:p14="http://schemas.microsoft.com/office/powerpoint/2010/main" val="95637527"/>
       </p:ext>
     </p:extLst>
   </p:cSld>
@@ -17191,7 +17175,7 @@
         <p:spPr>
           <a:xfrm>
             <a:off x="228600" y="2971800"/>
-            <a:ext cx="8763000" cy="923330"/>
+            <a:ext cx="8763000" cy="1754326"/>
           </a:xfrm>
           <a:prstGeom prst="rect">
             <a:avLst/>
@@ -17221,7 +17205,7 @@
                 <a:ea typeface="微軟正黑體" panose="020B0604030504040204" pitchFamily="34" charset="-120"/>
                 <a:cs typeface="Arial"/>
               </a:rPr>
-              <a:t>36: </a:t>
+              <a:t>37: </a:t>
             </a:r>
             <a:r>
               <a:rPr kumimoji="1" lang="zh-TW" altLang="en-US" sz="5400" b="1" dirty="0">
@@ -17239,7 +17223,7 @@
                 <a:ea typeface="微軟正黑體" panose="020B0604030504040204" pitchFamily="34" charset="-120"/>
                 <a:cs typeface="Arial"/>
               </a:rPr>
-              <a:t>國外的</a:t>
+              <a:t>台灣有沒有自己的</a:t>
             </a:r>
             <a:r>
               <a:rPr kumimoji="1" lang="en-US" altLang="zh-TW" sz="5400" b="1" dirty="0">
@@ -17257,48 +17241,15 @@
                 <a:ea typeface="微軟正黑體" panose="020B0604030504040204" pitchFamily="34" charset="-120"/>
                 <a:cs typeface="Arial"/>
               </a:rPr>
-              <a:t>AI</a:t>
-            </a:r>
-            <a:r>
-              <a:rPr kumimoji="1" lang="zh-TW" altLang="en-US" sz="5400" b="1" dirty="0">
-                <a:solidFill>
-                  <a:srgbClr val="66FF33"/>
-                </a:solidFill>
-                <a:effectLst>
-                  <a:outerShdw blurRad="38100" dist="38100" dir="2700000" algn="tl">
-                    <a:srgbClr val="000000">
-                      <a:alpha val="43137"/>
-                    </a:srgbClr>
-                  </a:outerShdw>
-                </a:effectLst>
-                <a:latin typeface="微軟正黑體" panose="020B0604030504040204" pitchFamily="34" charset="-120"/>
-                <a:ea typeface="微軟正黑體" panose="020B0604030504040204" pitchFamily="34" charset="-120"/>
-                <a:cs typeface="Arial"/>
-              </a:rPr>
-              <a:t>工作有哪些</a:t>
-            </a:r>
-            <a:endParaRPr kumimoji="1" lang="en-US" altLang="zh-TW" sz="5400" b="1" dirty="0">
-              <a:solidFill>
-                <a:srgbClr val="66FF33"/>
-              </a:solidFill>
-              <a:effectLst>
-                <a:outerShdw blurRad="38100" dist="38100" dir="2700000" algn="tl">
-                  <a:srgbClr val="000000">
-                    <a:alpha val="43137"/>
-                  </a:srgbClr>
-                </a:outerShdw>
-              </a:effectLst>
-              <a:latin typeface="微軟正黑體" panose="020B0604030504040204" pitchFamily="34" charset="-120"/>
-              <a:ea typeface="微軟正黑體" panose="020B0604030504040204" pitchFamily="34" charset="-120"/>
-              <a:cs typeface="Arial"/>
-            </a:endParaRPr>
+              <a:t>ChatGPT</a:t>
+            </a:r>
           </a:p>
         </p:txBody>
       </p:sp>
     </p:spTree>
     <p:extLst>
       <p:ext uri="{BB962C8B-B14F-4D97-AF65-F5344CB8AC3E}">
-        <p14:creationId xmlns:p14="http://schemas.microsoft.com/office/powerpoint/2010/main" val="95637527"/>
+        <p14:creationId xmlns:p14="http://schemas.microsoft.com/office/powerpoint/2010/main" val="2679453946"/>
       </p:ext>
     </p:extLst>
   </p:cSld>
@@ -17337,7 +17288,7 @@
         <p:spPr>
           <a:xfrm>
             <a:off x="228600" y="2971800"/>
-            <a:ext cx="8763000" cy="1754326"/>
+            <a:ext cx="8763000" cy="923330"/>
           </a:xfrm>
           <a:prstGeom prst="rect">
             <a:avLst/>
@@ -17367,7 +17318,7 @@
                 <a:ea typeface="微軟正黑體" panose="020B0604030504040204" pitchFamily="34" charset="-120"/>
                 <a:cs typeface="Arial"/>
               </a:rPr>
-              <a:t>37: </a:t>
+              <a:t>38: </a:t>
             </a:r>
             <a:r>
               <a:rPr kumimoji="1" lang="zh-TW" altLang="en-US" sz="5400" b="1" dirty="0">
@@ -17403,7 +17354,7 @@
                 <a:ea typeface="微軟正黑體" panose="020B0604030504040204" pitchFamily="34" charset="-120"/>
                 <a:cs typeface="Arial"/>
               </a:rPr>
-              <a:t>ChatGPT</a:t>
+              <a:t>GPU</a:t>
             </a:r>
           </a:p>
         </p:txBody>
@@ -17411,7 +17362,7 @@
     </p:spTree>
     <p:extLst>
       <p:ext uri="{BB962C8B-B14F-4D97-AF65-F5344CB8AC3E}">
-        <p14:creationId xmlns:p14="http://schemas.microsoft.com/office/powerpoint/2010/main" val="2679453946"/>
+        <p14:creationId xmlns:p14="http://schemas.microsoft.com/office/powerpoint/2010/main" val="3008547657"/>
       </p:ext>
     </p:extLst>
   </p:cSld>
@@ -17590,7 +17541,7 @@
                 <a:ea typeface="微軟正黑體" panose="020B0604030504040204" pitchFamily="34" charset="-120"/>
                 <a:cs typeface="Arial"/>
               </a:rPr>
-              <a:t>38: </a:t>
+              <a:t>39: AI</a:t>
             </a:r>
             <a:r>
               <a:rPr kumimoji="1" lang="zh-TW" altLang="en-US" sz="5400" b="1" dirty="0">
@@ -17608,33 +17559,30 @@
                 <a:ea typeface="微軟正黑體" panose="020B0604030504040204" pitchFamily="34" charset="-120"/>
                 <a:cs typeface="Arial"/>
               </a:rPr>
-              <a:t>台灣有沒有自己的</a:t>
-            </a:r>
-            <a:r>
-              <a:rPr kumimoji="1" lang="en-US" altLang="zh-TW" sz="5400" b="1" dirty="0">
-                <a:solidFill>
-                  <a:srgbClr val="66FF33"/>
-                </a:solidFill>
-                <a:effectLst>
-                  <a:outerShdw blurRad="38100" dist="38100" dir="2700000" algn="tl">
-                    <a:srgbClr val="000000">
-                      <a:alpha val="43137"/>
-                    </a:srgbClr>
-                  </a:outerShdw>
-                </a:effectLst>
-                <a:latin typeface="微軟正黑體" panose="020B0604030504040204" pitchFamily="34" charset="-120"/>
-                <a:ea typeface="微軟正黑體" panose="020B0604030504040204" pitchFamily="34" charset="-120"/>
-                <a:cs typeface="Arial"/>
-              </a:rPr>
-              <a:t>GPU</a:t>
-            </a:r>
+              <a:t>要從哪裏開始入行</a:t>
+            </a:r>
+            <a:endParaRPr kumimoji="1" lang="en-US" altLang="zh-TW" sz="5400" b="1" dirty="0">
+              <a:solidFill>
+                <a:srgbClr val="66FF33"/>
+              </a:solidFill>
+              <a:effectLst>
+                <a:outerShdw blurRad="38100" dist="38100" dir="2700000" algn="tl">
+                  <a:srgbClr val="000000">
+                    <a:alpha val="43137"/>
+                  </a:srgbClr>
+                </a:outerShdw>
+              </a:effectLst>
+              <a:latin typeface="微軟正黑體" panose="020B0604030504040204" pitchFamily="34" charset="-120"/>
+              <a:ea typeface="微軟正黑體" panose="020B0604030504040204" pitchFamily="34" charset="-120"/>
+              <a:cs typeface="Arial"/>
+            </a:endParaRPr>
           </a:p>
         </p:txBody>
       </p:sp>
     </p:spTree>
     <p:extLst>
       <p:ext uri="{BB962C8B-B14F-4D97-AF65-F5344CB8AC3E}">
-        <p14:creationId xmlns:p14="http://schemas.microsoft.com/office/powerpoint/2010/main" val="3008547657"/>
+        <p14:creationId xmlns:p14="http://schemas.microsoft.com/office/powerpoint/2010/main" val="4137594761"/>
       </p:ext>
     </p:extLst>
   </p:cSld>
@@ -17673,7 +17621,7 @@
         <p:spPr>
           <a:xfrm>
             <a:off x="228600" y="2971800"/>
-            <a:ext cx="8763000" cy="923330"/>
+            <a:ext cx="8763000" cy="1754326"/>
           </a:xfrm>
           <a:prstGeom prst="rect">
             <a:avLst/>
@@ -17703,7 +17651,7 @@
                 <a:ea typeface="微軟正黑體" panose="020B0604030504040204" pitchFamily="34" charset="-120"/>
                 <a:cs typeface="Arial"/>
               </a:rPr>
-              <a:t>39: AI</a:t>
+              <a:t>40: </a:t>
             </a:r>
             <a:r>
               <a:rPr kumimoji="1" lang="zh-TW" altLang="en-US" sz="5400" b="1" dirty="0">
@@ -17721,7 +17669,79 @@
                 <a:ea typeface="微軟正黑體" panose="020B0604030504040204" pitchFamily="34" charset="-120"/>
                 <a:cs typeface="Arial"/>
               </a:rPr>
-              <a:t>要從哪裏開始入行</a:t>
+              <a:t>我有</a:t>
+            </a:r>
+            <a:r>
+              <a:rPr kumimoji="1" lang="en-US" altLang="zh-TW" sz="5400" b="1" dirty="0">
+                <a:solidFill>
+                  <a:srgbClr val="66FF33"/>
+                </a:solidFill>
+                <a:effectLst>
+                  <a:outerShdw blurRad="38100" dist="38100" dir="2700000" algn="tl">
+                    <a:srgbClr val="000000">
+                      <a:alpha val="43137"/>
+                    </a:srgbClr>
+                  </a:outerShdw>
+                </a:effectLst>
+                <a:latin typeface="微軟正黑體" panose="020B0604030504040204" pitchFamily="34" charset="-120"/>
+                <a:ea typeface="微軟正黑體" panose="020B0604030504040204" pitchFamily="34" charset="-120"/>
+                <a:cs typeface="Arial"/>
+              </a:rPr>
+              <a:t>4090</a:t>
+            </a:r>
+            <a:r>
+              <a:rPr kumimoji="1" lang="zh-TW" altLang="en-US" sz="5400" b="1" dirty="0">
+                <a:solidFill>
+                  <a:srgbClr val="66FF33"/>
+                </a:solidFill>
+                <a:effectLst>
+                  <a:outerShdw blurRad="38100" dist="38100" dir="2700000" algn="tl">
+                    <a:srgbClr val="000000">
+                      <a:alpha val="43137"/>
+                    </a:srgbClr>
+                  </a:outerShdw>
+                </a:effectLst>
+                <a:latin typeface="微軟正黑體" panose="020B0604030504040204" pitchFamily="34" charset="-120"/>
+                <a:ea typeface="微軟正黑體" panose="020B0604030504040204" pitchFamily="34" charset="-120"/>
+                <a:cs typeface="Arial"/>
+              </a:rPr>
+              <a:t>顯示卡，能拿來用</a:t>
+            </a:r>
+            <a:r>
+              <a:rPr kumimoji="1" lang="en-US" altLang="zh-TW" sz="5400" b="1" dirty="0">
+                <a:solidFill>
+                  <a:srgbClr val="66FF33"/>
+                </a:solidFill>
+                <a:effectLst>
+                  <a:outerShdw blurRad="38100" dist="38100" dir="2700000" algn="tl">
+                    <a:srgbClr val="000000">
+                      <a:alpha val="43137"/>
+                    </a:srgbClr>
+                  </a:outerShdw>
+                </a:effectLst>
+                <a:latin typeface="微軟正黑體" panose="020B0604030504040204" pitchFamily="34" charset="-120"/>
+                <a:ea typeface="微軟正黑體" panose="020B0604030504040204" pitchFamily="34" charset="-120"/>
+                <a:cs typeface="Arial"/>
+              </a:rPr>
+              <a:t>AI</a:t>
+            </a:r>
+            <a:r>
+              <a:rPr kumimoji="1" lang="zh-TW" altLang="en-US" sz="5400" b="1" dirty="0">
+                <a:solidFill>
+                  <a:srgbClr val="66FF33"/>
+                </a:solidFill>
+                <a:effectLst>
+                  <a:outerShdw blurRad="38100" dist="38100" dir="2700000" algn="tl">
+                    <a:srgbClr val="000000">
+                      <a:alpha val="43137"/>
+                    </a:srgbClr>
+                  </a:outerShdw>
+                </a:effectLst>
+                <a:latin typeface="微軟正黑體" panose="020B0604030504040204" pitchFamily="34" charset="-120"/>
+                <a:ea typeface="微軟正黑體" panose="020B0604030504040204" pitchFamily="34" charset="-120"/>
+                <a:cs typeface="Arial"/>
+              </a:rPr>
+              <a:t>嗎</a:t>
             </a:r>
             <a:endParaRPr kumimoji="1" lang="en-US" altLang="zh-TW" sz="5400" b="1" dirty="0">
               <a:solidFill>
@@ -17744,7 +17764,7 @@
     </p:spTree>
     <p:extLst>
       <p:ext uri="{BB962C8B-B14F-4D97-AF65-F5344CB8AC3E}">
-        <p14:creationId xmlns:p14="http://schemas.microsoft.com/office/powerpoint/2010/main" val="4137594761"/>
+        <p14:creationId xmlns:p14="http://schemas.microsoft.com/office/powerpoint/2010/main" val="170959175"/>
       </p:ext>
     </p:extLst>
   </p:cSld>
@@ -17813,7 +17833,7 @@
                 <a:ea typeface="微軟正黑體" panose="020B0604030504040204" pitchFamily="34" charset="-120"/>
                 <a:cs typeface="Arial"/>
               </a:rPr>
-              <a:t>40: </a:t>
+              <a:t>41: </a:t>
             </a:r>
             <a:r>
               <a:rPr kumimoji="1" lang="zh-TW" altLang="en-US" sz="5400" b="1" dirty="0">
@@ -17831,7 +17851,7 @@
                 <a:ea typeface="微軟正黑體" panose="020B0604030504040204" pitchFamily="34" charset="-120"/>
                 <a:cs typeface="Arial"/>
               </a:rPr>
-              <a:t>我有</a:t>
+              <a:t>我有最新的</a:t>
             </a:r>
             <a:r>
               <a:rPr kumimoji="1" lang="en-US" altLang="zh-TW" sz="5400" b="1" dirty="0">
@@ -17849,7 +17869,7 @@
                 <a:ea typeface="微軟正黑體" panose="020B0604030504040204" pitchFamily="34" charset="-120"/>
                 <a:cs typeface="Arial"/>
               </a:rPr>
-              <a:t>4090</a:t>
+              <a:t>Mac</a:t>
             </a:r>
             <a:r>
               <a:rPr kumimoji="1" lang="zh-TW" altLang="en-US" sz="5400" b="1" dirty="0">
@@ -17867,7 +17887,7 @@
                 <a:ea typeface="微軟正黑體" panose="020B0604030504040204" pitchFamily="34" charset="-120"/>
                 <a:cs typeface="Arial"/>
               </a:rPr>
-              <a:t>顯示卡，能拿來用</a:t>
+              <a:t>，可以拿來用</a:t>
             </a:r>
             <a:r>
               <a:rPr kumimoji="1" lang="en-US" altLang="zh-TW" sz="5400" b="1" dirty="0">
@@ -17926,7 +17946,7 @@
     </p:spTree>
     <p:extLst>
       <p:ext uri="{BB962C8B-B14F-4D97-AF65-F5344CB8AC3E}">
-        <p14:creationId xmlns:p14="http://schemas.microsoft.com/office/powerpoint/2010/main" val="170959175"/>
+        <p14:creationId xmlns:p14="http://schemas.microsoft.com/office/powerpoint/2010/main" val="437093309"/>
       </p:ext>
     </p:extLst>
   </p:cSld>
@@ -17995,7 +18015,7 @@
                 <a:ea typeface="微軟正黑體" panose="020B0604030504040204" pitchFamily="34" charset="-120"/>
                 <a:cs typeface="Arial"/>
               </a:rPr>
-              <a:t>41: </a:t>
+              <a:t>42: </a:t>
             </a:r>
             <a:r>
               <a:rPr kumimoji="1" lang="zh-TW" altLang="en-US" sz="5400" b="1" dirty="0">
@@ -18013,43 +18033,7 @@
                 <a:ea typeface="微軟正黑體" panose="020B0604030504040204" pitchFamily="34" charset="-120"/>
                 <a:cs typeface="Arial"/>
               </a:rPr>
-              <a:t>我有最新的</a:t>
-            </a:r>
-            <a:r>
-              <a:rPr kumimoji="1" lang="en-US" altLang="zh-TW" sz="5400" b="1" dirty="0">
-                <a:solidFill>
-                  <a:srgbClr val="66FF33"/>
-                </a:solidFill>
-                <a:effectLst>
-                  <a:outerShdw blurRad="38100" dist="38100" dir="2700000" algn="tl">
-                    <a:srgbClr val="000000">
-                      <a:alpha val="43137"/>
-                    </a:srgbClr>
-                  </a:outerShdw>
-                </a:effectLst>
-                <a:latin typeface="微軟正黑體" panose="020B0604030504040204" pitchFamily="34" charset="-120"/>
-                <a:ea typeface="微軟正黑體" panose="020B0604030504040204" pitchFamily="34" charset="-120"/>
-                <a:cs typeface="Arial"/>
-              </a:rPr>
-              <a:t>Mac</a:t>
-            </a:r>
-            <a:r>
-              <a:rPr kumimoji="1" lang="zh-TW" altLang="en-US" sz="5400" b="1" dirty="0">
-                <a:solidFill>
-                  <a:srgbClr val="66FF33"/>
-                </a:solidFill>
-                <a:effectLst>
-                  <a:outerShdw blurRad="38100" dist="38100" dir="2700000" algn="tl">
-                    <a:srgbClr val="000000">
-                      <a:alpha val="43137"/>
-                    </a:srgbClr>
-                  </a:outerShdw>
-                </a:effectLst>
-                <a:latin typeface="微軟正黑體" panose="020B0604030504040204" pitchFamily="34" charset="-120"/>
-                <a:ea typeface="微軟正黑體" panose="020B0604030504040204" pitchFamily="34" charset="-120"/>
-                <a:cs typeface="Arial"/>
-              </a:rPr>
-              <a:t>，可以拿來用</a:t>
+              <a:t>一定要念資工系所才能進入</a:t>
             </a:r>
             <a:r>
               <a:rPr kumimoji="1" lang="en-US" altLang="zh-TW" sz="5400" b="1" dirty="0">
@@ -18085,7 +18069,7 @@
                 <a:ea typeface="微軟正黑體" panose="020B0604030504040204" pitchFamily="34" charset="-120"/>
                 <a:cs typeface="Arial"/>
               </a:rPr>
-              <a:t>嗎</a:t>
+              <a:t>行業嗎</a:t>
             </a:r>
             <a:endParaRPr kumimoji="1" lang="en-US" altLang="zh-TW" sz="5400" b="1" dirty="0">
               <a:solidFill>
@@ -18108,7 +18092,7 @@
     </p:spTree>
     <p:extLst>
       <p:ext uri="{BB962C8B-B14F-4D97-AF65-F5344CB8AC3E}">
-        <p14:creationId xmlns:p14="http://schemas.microsoft.com/office/powerpoint/2010/main" val="437093309"/>
+        <p14:creationId xmlns:p14="http://schemas.microsoft.com/office/powerpoint/2010/main" val="2191069815"/>
       </p:ext>
     </p:extLst>
   </p:cSld>
@@ -18147,7 +18131,7 @@
         <p:spPr>
           <a:xfrm>
             <a:off x="228600" y="2971800"/>
-            <a:ext cx="8763000" cy="1754326"/>
+            <a:ext cx="8763000" cy="923330"/>
           </a:xfrm>
           <a:prstGeom prst="rect">
             <a:avLst/>
@@ -18177,7 +18161,7 @@
                 <a:ea typeface="微軟正黑體" panose="020B0604030504040204" pitchFamily="34" charset="-120"/>
                 <a:cs typeface="Arial"/>
               </a:rPr>
-              <a:t>42: </a:t>
+              <a:t>43: </a:t>
             </a:r>
             <a:r>
               <a:rPr kumimoji="1" lang="zh-TW" altLang="en-US" sz="5400" b="1" dirty="0">
@@ -18195,43 +18179,7 @@
                 <a:ea typeface="微軟正黑體" panose="020B0604030504040204" pitchFamily="34" charset="-120"/>
                 <a:cs typeface="Arial"/>
               </a:rPr>
-              <a:t>一定要念資工系所才能進入</a:t>
-            </a:r>
-            <a:r>
-              <a:rPr kumimoji="1" lang="en-US" altLang="zh-TW" sz="5400" b="1" dirty="0">
-                <a:solidFill>
-                  <a:srgbClr val="66FF33"/>
-                </a:solidFill>
-                <a:effectLst>
-                  <a:outerShdw blurRad="38100" dist="38100" dir="2700000" algn="tl">
-                    <a:srgbClr val="000000">
-                      <a:alpha val="43137"/>
-                    </a:srgbClr>
-                  </a:outerShdw>
-                </a:effectLst>
-                <a:latin typeface="微軟正黑體" panose="020B0604030504040204" pitchFamily="34" charset="-120"/>
-                <a:ea typeface="微軟正黑體" panose="020B0604030504040204" pitchFamily="34" charset="-120"/>
-                <a:cs typeface="Arial"/>
-              </a:rPr>
-              <a:t>AI</a:t>
-            </a:r>
-            <a:r>
-              <a:rPr kumimoji="1" lang="zh-TW" altLang="en-US" sz="5400" b="1" dirty="0">
-                <a:solidFill>
-                  <a:srgbClr val="66FF33"/>
-                </a:solidFill>
-                <a:effectLst>
-                  <a:outerShdw blurRad="38100" dist="38100" dir="2700000" algn="tl">
-                    <a:srgbClr val="000000">
-                      <a:alpha val="43137"/>
-                    </a:srgbClr>
-                  </a:outerShdw>
-                </a:effectLst>
-                <a:latin typeface="微軟正黑體" panose="020B0604030504040204" pitchFamily="34" charset="-120"/>
-                <a:ea typeface="微軟正黑體" panose="020B0604030504040204" pitchFamily="34" charset="-120"/>
-                <a:cs typeface="Arial"/>
-              </a:rPr>
-              <a:t>行業嗎</a:t>
+              <a:t>第一個會消失的工作</a:t>
             </a:r>
             <a:endParaRPr kumimoji="1" lang="en-US" altLang="zh-TW" sz="5400" b="1" dirty="0">
               <a:solidFill>
@@ -18254,7 +18202,7 @@
     </p:spTree>
     <p:extLst>
       <p:ext uri="{BB962C8B-B14F-4D97-AF65-F5344CB8AC3E}">
-        <p14:creationId xmlns:p14="http://schemas.microsoft.com/office/powerpoint/2010/main" val="2191069815"/>
+        <p14:creationId xmlns:p14="http://schemas.microsoft.com/office/powerpoint/2010/main" val="1752420111"/>
       </p:ext>
     </p:extLst>
   </p:cSld>
@@ -18323,7 +18271,7 @@
                 <a:ea typeface="微軟正黑體" panose="020B0604030504040204" pitchFamily="34" charset="-120"/>
                 <a:cs typeface="Arial"/>
               </a:rPr>
-              <a:t>43: </a:t>
+              <a:t>44: </a:t>
             </a:r>
             <a:r>
               <a:rPr kumimoji="1" lang="zh-TW" altLang="en-US" sz="5400" b="1" dirty="0">
@@ -18341,7 +18289,43 @@
                 <a:ea typeface="微軟正黑體" panose="020B0604030504040204" pitchFamily="34" charset="-120"/>
                 <a:cs typeface="Arial"/>
               </a:rPr>
-              <a:t>第一個會消失的工作</a:t>
+              <a:t>有沒有</a:t>
+            </a:r>
+            <a:r>
+              <a:rPr kumimoji="1" lang="en-US" altLang="zh-TW" sz="5400" b="1" dirty="0">
+                <a:solidFill>
+                  <a:srgbClr val="66FF33"/>
+                </a:solidFill>
+                <a:effectLst>
+                  <a:outerShdw blurRad="38100" dist="38100" dir="2700000" algn="tl">
+                    <a:srgbClr val="000000">
+                      <a:alpha val="43137"/>
+                    </a:srgbClr>
+                  </a:outerShdw>
+                </a:effectLst>
+                <a:latin typeface="微軟正黑體" panose="020B0604030504040204" pitchFamily="34" charset="-120"/>
+                <a:ea typeface="微軟正黑體" panose="020B0604030504040204" pitchFamily="34" charset="-120"/>
+                <a:cs typeface="Arial"/>
+              </a:rPr>
+              <a:t>AI</a:t>
+            </a:r>
+            <a:r>
+              <a:rPr kumimoji="1" lang="zh-TW" altLang="en-US" sz="5400" b="1" dirty="0">
+                <a:solidFill>
+                  <a:srgbClr val="66FF33"/>
+                </a:solidFill>
+                <a:effectLst>
+                  <a:outerShdw blurRad="38100" dist="38100" dir="2700000" algn="tl">
+                    <a:srgbClr val="000000">
+                      <a:alpha val="43137"/>
+                    </a:srgbClr>
+                  </a:outerShdw>
+                </a:effectLst>
+                <a:latin typeface="微軟正黑體" panose="020B0604030504040204" pitchFamily="34" charset="-120"/>
+                <a:ea typeface="微軟正黑體" panose="020B0604030504040204" pitchFamily="34" charset="-120"/>
+                <a:cs typeface="Arial"/>
+              </a:rPr>
+              <a:t>殺人的例子</a:t>
             </a:r>
             <a:endParaRPr kumimoji="1" lang="en-US" altLang="zh-TW" sz="5400" b="1" dirty="0">
               <a:solidFill>
@@ -18364,7 +18348,7 @@
     </p:spTree>
     <p:extLst>
       <p:ext uri="{BB962C8B-B14F-4D97-AF65-F5344CB8AC3E}">
-        <p14:creationId xmlns:p14="http://schemas.microsoft.com/office/powerpoint/2010/main" val="1752420111"/>
+        <p14:creationId xmlns:p14="http://schemas.microsoft.com/office/powerpoint/2010/main" val="3836920515"/>
       </p:ext>
     </p:extLst>
   </p:cSld>
@@ -18433,7 +18417,7 @@
                 <a:ea typeface="微軟正黑體" panose="020B0604030504040204" pitchFamily="34" charset="-120"/>
                 <a:cs typeface="Arial"/>
               </a:rPr>
-              <a:t>44: </a:t>
+              <a:t>45: </a:t>
             </a:r>
             <a:r>
               <a:rPr kumimoji="1" lang="zh-TW" altLang="en-US" sz="5400" b="1" dirty="0">
@@ -18451,7 +18435,7 @@
                 <a:ea typeface="微軟正黑體" panose="020B0604030504040204" pitchFamily="34" charset="-120"/>
                 <a:cs typeface="Arial"/>
               </a:rPr>
-              <a:t>有沒有</a:t>
+              <a:t>中國</a:t>
             </a:r>
             <a:r>
               <a:rPr kumimoji="1" lang="en-US" altLang="zh-TW" sz="5400" b="1" dirty="0">
@@ -18487,7 +18471,7 @@
                 <a:ea typeface="微軟正黑體" panose="020B0604030504040204" pitchFamily="34" charset="-120"/>
                 <a:cs typeface="Arial"/>
               </a:rPr>
-              <a:t>殺人的例子</a:t>
+              <a:t>強大嗎</a:t>
             </a:r>
             <a:endParaRPr kumimoji="1" lang="en-US" altLang="zh-TW" sz="5400" b="1" dirty="0">
               <a:solidFill>
@@ -18510,7 +18494,7 @@
     </p:spTree>
     <p:extLst>
       <p:ext uri="{BB962C8B-B14F-4D97-AF65-F5344CB8AC3E}">
-        <p14:creationId xmlns:p14="http://schemas.microsoft.com/office/powerpoint/2010/main" val="3836920515"/>
+        <p14:creationId xmlns:p14="http://schemas.microsoft.com/office/powerpoint/2010/main" val="3082943544"/>
       </p:ext>
     </p:extLst>
   </p:cSld>
@@ -18579,7 +18563,7 @@
                 <a:ea typeface="微軟正黑體" panose="020B0604030504040204" pitchFamily="34" charset="-120"/>
                 <a:cs typeface="Arial"/>
               </a:rPr>
-              <a:t>45: </a:t>
+              <a:t>46: AI</a:t>
             </a:r>
             <a:r>
               <a:rPr kumimoji="1" lang="zh-TW" altLang="en-US" sz="5400" b="1" dirty="0">
@@ -18597,43 +18581,7 @@
                 <a:ea typeface="微軟正黑體" panose="020B0604030504040204" pitchFamily="34" charset="-120"/>
                 <a:cs typeface="Arial"/>
               </a:rPr>
-              <a:t>中國</a:t>
-            </a:r>
-            <a:r>
-              <a:rPr kumimoji="1" lang="en-US" altLang="zh-TW" sz="5400" b="1" dirty="0">
-                <a:solidFill>
-                  <a:srgbClr val="66FF33"/>
-                </a:solidFill>
-                <a:effectLst>
-                  <a:outerShdw blurRad="38100" dist="38100" dir="2700000" algn="tl">
-                    <a:srgbClr val="000000">
-                      <a:alpha val="43137"/>
-                    </a:srgbClr>
-                  </a:outerShdw>
-                </a:effectLst>
-                <a:latin typeface="微軟正黑體" panose="020B0604030504040204" pitchFamily="34" charset="-120"/>
-                <a:ea typeface="微軟正黑體" panose="020B0604030504040204" pitchFamily="34" charset="-120"/>
-                <a:cs typeface="Arial"/>
-              </a:rPr>
-              <a:t>AI</a:t>
-            </a:r>
-            <a:r>
-              <a:rPr kumimoji="1" lang="zh-TW" altLang="en-US" sz="5400" b="1" dirty="0">
-                <a:solidFill>
-                  <a:srgbClr val="66FF33"/>
-                </a:solidFill>
-                <a:effectLst>
-                  <a:outerShdw blurRad="38100" dist="38100" dir="2700000" algn="tl">
-                    <a:srgbClr val="000000">
-                      <a:alpha val="43137"/>
-                    </a:srgbClr>
-                  </a:outerShdw>
-                </a:effectLst>
-                <a:latin typeface="微軟正黑體" panose="020B0604030504040204" pitchFamily="34" charset="-120"/>
-                <a:ea typeface="微軟正黑體" panose="020B0604030504040204" pitchFamily="34" charset="-120"/>
-                <a:cs typeface="Arial"/>
-              </a:rPr>
-              <a:t>強大嗎</a:t>
+              <a:t>會不會又是泡沫化</a:t>
             </a:r>
             <a:endParaRPr kumimoji="1" lang="en-US" altLang="zh-TW" sz="5400" b="1" dirty="0">
               <a:solidFill>
@@ -18656,7 +18604,7 @@
     </p:spTree>
     <p:extLst>
       <p:ext uri="{BB962C8B-B14F-4D97-AF65-F5344CB8AC3E}">
-        <p14:creationId xmlns:p14="http://schemas.microsoft.com/office/powerpoint/2010/main" val="3082943544"/>
+        <p14:creationId xmlns:p14="http://schemas.microsoft.com/office/powerpoint/2010/main" val="896500436"/>
       </p:ext>
     </p:extLst>
   </p:cSld>
@@ -18725,7 +18673,7 @@
                 <a:ea typeface="微軟正黑體" panose="020B0604030504040204" pitchFamily="34" charset="-120"/>
                 <a:cs typeface="Arial"/>
               </a:rPr>
-              <a:t>46: AI</a:t>
+              <a:t>47: </a:t>
             </a:r>
             <a:r>
               <a:rPr kumimoji="1" lang="zh-TW" altLang="en-US" sz="5400" b="1" dirty="0">
@@ -18743,7 +18691,7 @@
                 <a:ea typeface="微軟正黑體" panose="020B0604030504040204" pitchFamily="34" charset="-120"/>
                 <a:cs typeface="Arial"/>
               </a:rPr>
-              <a:t>會不會又是泡沫化</a:t>
+              <a:t>要不要學提示技巧</a:t>
             </a:r>
             <a:endParaRPr kumimoji="1" lang="en-US" altLang="zh-TW" sz="5400" b="1" dirty="0">
               <a:solidFill>
@@ -18766,7 +18714,7 @@
     </p:spTree>
     <p:extLst>
       <p:ext uri="{BB962C8B-B14F-4D97-AF65-F5344CB8AC3E}">
-        <p14:creationId xmlns:p14="http://schemas.microsoft.com/office/powerpoint/2010/main" val="896500436"/>
+        <p14:creationId xmlns:p14="http://schemas.microsoft.com/office/powerpoint/2010/main" val="3215500712"/>
       </p:ext>
     </p:extLst>
   </p:cSld>
@@ -18805,7 +18753,7 @@
         <p:spPr>
           <a:xfrm>
             <a:off x="228600" y="2971800"/>
-            <a:ext cx="8763000" cy="923330"/>
+            <a:ext cx="8763000" cy="1754326"/>
           </a:xfrm>
           <a:prstGeom prst="rect">
             <a:avLst/>
@@ -18835,7 +18783,7 @@
                 <a:ea typeface="微軟正黑體" panose="020B0604030504040204" pitchFamily="34" charset="-120"/>
                 <a:cs typeface="Arial"/>
               </a:rPr>
-              <a:t>47: </a:t>
+              <a:t>48: </a:t>
             </a:r>
             <a:r>
               <a:rPr kumimoji="1" lang="zh-TW" altLang="en-US" sz="5400" b="1" dirty="0">
@@ -18853,7 +18801,7 @@
                 <a:ea typeface="微軟正黑體" panose="020B0604030504040204" pitchFamily="34" charset="-120"/>
                 <a:cs typeface="Arial"/>
               </a:rPr>
-              <a:t>要不要學提示技巧</a:t>
+              <a:t>學什麼程式語言</a:t>
             </a:r>
             <a:endParaRPr kumimoji="1" lang="en-US" altLang="zh-TW" sz="5400" b="1" dirty="0">
               <a:solidFill>
@@ -18871,12 +18819,48 @@
               <a:cs typeface="Arial"/>
             </a:endParaRPr>
           </a:p>
+          <a:p>
+            <a:pPr algn="ctr"/>
+            <a:r>
+              <a:rPr kumimoji="1" lang="zh-TW" altLang="en-US" sz="5400" b="1" dirty="0">
+                <a:solidFill>
+                  <a:srgbClr val="66FF33"/>
+                </a:solidFill>
+                <a:effectLst>
+                  <a:outerShdw blurRad="38100" dist="38100" dir="2700000" algn="tl">
+                    <a:srgbClr val="000000">
+                      <a:alpha val="43137"/>
+                    </a:srgbClr>
+                  </a:outerShdw>
+                </a:effectLst>
+                <a:latin typeface="微軟正黑體" panose="020B0604030504040204" pitchFamily="34" charset="-120"/>
+                <a:ea typeface="微軟正黑體" panose="020B0604030504040204" pitchFamily="34" charset="-120"/>
+                <a:cs typeface="Arial"/>
+              </a:rPr>
+              <a:t>不會失業</a:t>
+            </a:r>
+            <a:endParaRPr kumimoji="1" lang="en-US" altLang="zh-TW" sz="5400" b="1" dirty="0">
+              <a:solidFill>
+                <a:srgbClr val="66FF33"/>
+              </a:solidFill>
+              <a:effectLst>
+                <a:outerShdw blurRad="38100" dist="38100" dir="2700000" algn="tl">
+                  <a:srgbClr val="000000">
+                    <a:alpha val="43137"/>
+                  </a:srgbClr>
+                </a:outerShdw>
+              </a:effectLst>
+              <a:latin typeface="微軟正黑體" panose="020B0604030504040204" pitchFamily="34" charset="-120"/>
+              <a:ea typeface="微軟正黑體" panose="020B0604030504040204" pitchFamily="34" charset="-120"/>
+              <a:cs typeface="Arial"/>
+            </a:endParaRPr>
+          </a:p>
         </p:txBody>
       </p:sp>
     </p:spTree>
     <p:extLst>
       <p:ext uri="{BB962C8B-B14F-4D97-AF65-F5344CB8AC3E}">
-        <p14:creationId xmlns:p14="http://schemas.microsoft.com/office/powerpoint/2010/main" val="3215500712"/>
+        <p14:creationId xmlns:p14="http://schemas.microsoft.com/office/powerpoint/2010/main" val="3481780170"/>
       </p:ext>
     </p:extLst>
   </p:cSld>
@@ -19055,152 +19039,6 @@
                 <a:ea typeface="微軟正黑體" panose="020B0604030504040204" pitchFamily="34" charset="-120"/>
                 <a:cs typeface="Arial"/>
               </a:rPr>
-              <a:t>48: </a:t>
-            </a:r>
-            <a:r>
-              <a:rPr kumimoji="1" lang="zh-TW" altLang="en-US" sz="5400" b="1" dirty="0">
-                <a:solidFill>
-                  <a:srgbClr val="66FF33"/>
-                </a:solidFill>
-                <a:effectLst>
-                  <a:outerShdw blurRad="38100" dist="38100" dir="2700000" algn="tl">
-                    <a:srgbClr val="000000">
-                      <a:alpha val="43137"/>
-                    </a:srgbClr>
-                  </a:outerShdw>
-                </a:effectLst>
-                <a:latin typeface="微軟正黑體" panose="020B0604030504040204" pitchFamily="34" charset="-120"/>
-                <a:ea typeface="微軟正黑體" panose="020B0604030504040204" pitchFamily="34" charset="-120"/>
-                <a:cs typeface="Arial"/>
-              </a:rPr>
-              <a:t>學什麼程式語言</a:t>
-            </a:r>
-            <a:endParaRPr kumimoji="1" lang="en-US" altLang="zh-TW" sz="5400" b="1" dirty="0">
-              <a:solidFill>
-                <a:srgbClr val="66FF33"/>
-              </a:solidFill>
-              <a:effectLst>
-                <a:outerShdw blurRad="38100" dist="38100" dir="2700000" algn="tl">
-                  <a:srgbClr val="000000">
-                    <a:alpha val="43137"/>
-                  </a:srgbClr>
-                </a:outerShdw>
-              </a:effectLst>
-              <a:latin typeface="微軟正黑體" panose="020B0604030504040204" pitchFamily="34" charset="-120"/>
-              <a:ea typeface="微軟正黑體" panose="020B0604030504040204" pitchFamily="34" charset="-120"/>
-              <a:cs typeface="Arial"/>
-            </a:endParaRPr>
-          </a:p>
-          <a:p>
-            <a:pPr algn="ctr"/>
-            <a:r>
-              <a:rPr kumimoji="1" lang="zh-TW" altLang="en-US" sz="5400" b="1" dirty="0">
-                <a:solidFill>
-                  <a:srgbClr val="66FF33"/>
-                </a:solidFill>
-                <a:effectLst>
-                  <a:outerShdw blurRad="38100" dist="38100" dir="2700000" algn="tl">
-                    <a:srgbClr val="000000">
-                      <a:alpha val="43137"/>
-                    </a:srgbClr>
-                  </a:outerShdw>
-                </a:effectLst>
-                <a:latin typeface="微軟正黑體" panose="020B0604030504040204" pitchFamily="34" charset="-120"/>
-                <a:ea typeface="微軟正黑體" panose="020B0604030504040204" pitchFamily="34" charset="-120"/>
-                <a:cs typeface="Arial"/>
-              </a:rPr>
-              <a:t>不會失業</a:t>
-            </a:r>
-            <a:endParaRPr kumimoji="1" lang="en-US" altLang="zh-TW" sz="5400" b="1" dirty="0">
-              <a:solidFill>
-                <a:srgbClr val="66FF33"/>
-              </a:solidFill>
-              <a:effectLst>
-                <a:outerShdw blurRad="38100" dist="38100" dir="2700000" algn="tl">
-                  <a:srgbClr val="000000">
-                    <a:alpha val="43137"/>
-                  </a:srgbClr>
-                </a:outerShdw>
-              </a:effectLst>
-              <a:latin typeface="微軟正黑體" panose="020B0604030504040204" pitchFamily="34" charset="-120"/>
-              <a:ea typeface="微軟正黑體" panose="020B0604030504040204" pitchFamily="34" charset="-120"/>
-              <a:cs typeface="Arial"/>
-            </a:endParaRPr>
-          </a:p>
-        </p:txBody>
-      </p:sp>
-    </p:spTree>
-    <p:extLst>
-      <p:ext uri="{BB962C8B-B14F-4D97-AF65-F5344CB8AC3E}">
-        <p14:creationId xmlns:p14="http://schemas.microsoft.com/office/powerpoint/2010/main" val="3481780170"/>
-      </p:ext>
-    </p:extLst>
-  </p:cSld>
-  <p:clrMapOvr>
-    <a:masterClrMapping/>
-  </p:clrMapOvr>
-  <p:transition>
-    <p:fade/>
-  </p:transition>
-</p:sld>
-</file>
-
-<file path=ppt/slides/slide51.xml><?xml version="1.0" encoding="utf-8"?>
-<p:sld xmlns:a="http://schemas.openxmlformats.org/drawingml/2006/main" xmlns:r="http://schemas.openxmlformats.org/officeDocument/2006/relationships" xmlns:p="http://schemas.openxmlformats.org/presentationml/2006/main">
-  <p:cSld>
-    <p:spTree>
-      <p:nvGrpSpPr>
-        <p:cNvPr id="1" name=""/>
-        <p:cNvGrpSpPr/>
-        <p:nvPr/>
-      </p:nvGrpSpPr>
-      <p:grpSpPr>
-        <a:xfrm>
-          <a:off x="0" y="0"/>
-          <a:ext cx="0" cy="0"/>
-          <a:chOff x="0" y="0"/>
-          <a:chExt cx="0" cy="0"/>
-        </a:xfrm>
-      </p:grpSpPr>
-      <p:sp>
-        <p:nvSpPr>
-          <p:cNvPr id="4" name="文字方塊 3"/>
-          <p:cNvSpPr txBox="1"/>
-          <p:nvPr/>
-        </p:nvSpPr>
-        <p:spPr>
-          <a:xfrm>
-            <a:off x="228600" y="2971800"/>
-            <a:ext cx="8763000" cy="1754326"/>
-          </a:xfrm>
-          <a:prstGeom prst="rect">
-            <a:avLst/>
-          </a:prstGeom>
-          <a:noFill/>
-        </p:spPr>
-        <p:txBody>
-          <a:bodyPr wrap="square" rtlCol="0">
-            <a:spAutoFit/>
-          </a:bodyPr>
-          <a:lstStyle/>
-          <a:p>
-            <a:pPr algn="ctr"/>
-            <a:r>
-              <a:rPr kumimoji="1" lang="en-US" altLang="zh-TW" sz="5400" b="1" dirty="0">
-                <a:solidFill>
-                  <a:srgbClr val="66FF33"/>
-                </a:solidFill>
-                <a:effectLst>
-                  <a:outerShdw blurRad="38100" dist="38100" dir="2700000" algn="tl">
-                    <a:srgbClr val="000000">
-                      <a:alpha val="43137"/>
-                    </a:srgbClr>
-                  </a:outerShdw>
-                </a:effectLst>
-                <a:latin typeface="微軟正黑體" panose="020B0604030504040204" pitchFamily="34" charset="-120"/>
-                <a:ea typeface="微軟正黑體" panose="020B0604030504040204" pitchFamily="34" charset="-120"/>
-                <a:cs typeface="Arial"/>
-              </a:rPr>
               <a:t>49: </a:t>
             </a:r>
             <a:r>
@@ -19291,7 +19129,7 @@
 </p:sld>
 </file>
 
-<file path=ppt/slides/slide52.xml><?xml version="1.0" encoding="utf-8"?>
+<file path=ppt/slides/slide51.xml><?xml version="1.0" encoding="utf-8"?>
 <p:sld xmlns:a="http://schemas.openxmlformats.org/drawingml/2006/main" xmlns:r="http://schemas.openxmlformats.org/officeDocument/2006/relationships" xmlns:p="http://schemas.openxmlformats.org/presentationml/2006/main">
   <p:cSld>
     <p:spTree>
